--- a/Lecture Notes-Slides/Lecture 17.pptx
+++ b/Lecture Notes-Slides/Lecture 17.pptx
@@ -206,7 +206,7 @@
           <a:p>
             <a:fld id="{3CD8CDE9-AB48-C440-BEA7-178B6AFE13C6}" type="datetimeFigureOut">
               <a:rPr lang="en-US" smtClean="0"/>
-              <a:t>3/26/16</a:t>
+              <a:t>3/28/16</a:t>
             </a:fld>
             <a:endParaRPr lang="en-US"/>
           </a:p>
@@ -762,7 +762,7 @@
           <a:p>
             <a:fld id="{D2A20FDA-B114-644D-8BBD-3AC22460846A}" type="datetimeFigureOut">
               <a:rPr lang="en-US" smtClean="0"/>
-              <a:t>3/26/16</a:t>
+              <a:t>3/28/16</a:t>
             </a:fld>
             <a:endParaRPr lang="en-US"/>
           </a:p>
@@ -927,7 +927,7 @@
           <a:p>
             <a:fld id="{D2A20FDA-B114-644D-8BBD-3AC22460846A}" type="datetimeFigureOut">
               <a:rPr lang="en-US" smtClean="0"/>
-              <a:t>3/26/16</a:t>
+              <a:t>3/28/16</a:t>
             </a:fld>
             <a:endParaRPr lang="en-US"/>
           </a:p>
@@ -1102,7 +1102,7 @@
           <a:p>
             <a:fld id="{D2A20FDA-B114-644D-8BBD-3AC22460846A}" type="datetimeFigureOut">
               <a:rPr lang="en-US" smtClean="0"/>
-              <a:t>3/26/16</a:t>
+              <a:t>3/28/16</a:t>
             </a:fld>
             <a:endParaRPr lang="en-US"/>
           </a:p>
@@ -1267,7 +1267,7 @@
           <a:p>
             <a:fld id="{D2A20FDA-B114-644D-8BBD-3AC22460846A}" type="datetimeFigureOut">
               <a:rPr lang="en-US" smtClean="0"/>
-              <a:t>3/26/16</a:t>
+              <a:t>3/28/16</a:t>
             </a:fld>
             <a:endParaRPr lang="en-US"/>
           </a:p>
@@ -1508,7 +1508,7 @@
           <a:p>
             <a:fld id="{D2A20FDA-B114-644D-8BBD-3AC22460846A}" type="datetimeFigureOut">
               <a:rPr lang="en-US" smtClean="0"/>
-              <a:t>3/26/16</a:t>
+              <a:t>3/28/16</a:t>
             </a:fld>
             <a:endParaRPr lang="en-US"/>
           </a:p>
@@ -1791,7 +1791,7 @@
           <a:p>
             <a:fld id="{D2A20FDA-B114-644D-8BBD-3AC22460846A}" type="datetimeFigureOut">
               <a:rPr lang="en-US" smtClean="0"/>
-              <a:t>3/26/16</a:t>
+              <a:t>3/28/16</a:t>
             </a:fld>
             <a:endParaRPr lang="en-US"/>
           </a:p>
@@ -2220,7 +2220,7 @@
           <a:p>
             <a:fld id="{D2A20FDA-B114-644D-8BBD-3AC22460846A}" type="datetimeFigureOut">
               <a:rPr lang="en-US" smtClean="0"/>
-              <a:t>3/26/16</a:t>
+              <a:t>3/28/16</a:t>
             </a:fld>
             <a:endParaRPr lang="en-US"/>
           </a:p>
@@ -2333,7 +2333,7 @@
           <a:p>
             <a:fld id="{D2A20FDA-B114-644D-8BBD-3AC22460846A}" type="datetimeFigureOut">
               <a:rPr lang="en-US" smtClean="0"/>
-              <a:t>3/26/16</a:t>
+              <a:t>3/28/16</a:t>
             </a:fld>
             <a:endParaRPr lang="en-US"/>
           </a:p>
@@ -2423,7 +2423,7 @@
           <a:p>
             <a:fld id="{D2A20FDA-B114-644D-8BBD-3AC22460846A}" type="datetimeFigureOut">
               <a:rPr lang="en-US" smtClean="0"/>
-              <a:t>3/26/16</a:t>
+              <a:t>3/28/16</a:t>
             </a:fld>
             <a:endParaRPr lang="en-US"/>
           </a:p>
@@ -2612,7 +2612,7 @@
           <a:p>
             <a:fld id="{D2A20FDA-B114-644D-8BBD-3AC22460846A}" type="datetimeFigureOut">
               <a:rPr lang="en-US" smtClean="0"/>
-              <a:t>3/26/16</a:t>
+              <a:t>3/28/16</a:t>
             </a:fld>
             <a:endParaRPr lang="en-US"/>
           </a:p>
@@ -2930,7 +2930,7 @@
           <a:p>
             <a:fld id="{D2A20FDA-B114-644D-8BBD-3AC22460846A}" type="datetimeFigureOut">
               <a:rPr lang="en-US" smtClean="0"/>
-              <a:t>3/26/16</a:t>
+              <a:t>3/28/16</a:t>
             </a:fld>
             <a:endParaRPr lang="en-US"/>
           </a:p>
@@ -3309,7 +3309,7 @@
           <a:p>
             <a:fld id="{D2A20FDA-B114-644D-8BBD-3AC22460846A}" type="datetimeFigureOut">
               <a:rPr lang="en-US" smtClean="0"/>
-              <a:t>3/26/16</a:t>
+              <a:t>3/28/16</a:t>
             </a:fld>
             <a:endParaRPr lang="en-US"/>
           </a:p>
@@ -3775,7 +3775,15 @@
             <a:pPr lvl="0"/>
             <a:r>
               <a:rPr lang="en-US" dirty="0"/>
-              <a:t>If categorical variable has a category (in test data set), which was not observed in training data set, then model will assign a 0 (zero) probability and will be unable to make a prediction. This is often known as “Zero Frequency”. To solve this, we can use the smoothing technique. One of the simplest smoothing techniques is called Laplace estimation.</a:t>
+              <a:t>If categorical variable has a category (in test data set), which was not observed in training data set, then model will assign a 0 (zero) probability </a:t>
+            </a:r>
+            <a:r>
+              <a:rPr lang="en-US" dirty="0" smtClean="0"/>
+              <a:t>to it and </a:t>
+            </a:r>
+            <a:r>
+              <a:rPr lang="en-US" dirty="0"/>
+              <a:t>will be unable to make a prediction. This is often known as “Zero Frequency”. To solve this, we can use the smoothing technique. One of the simplest smoothing techniques is called Laplace estimation.</a:t>
             </a:r>
           </a:p>
           <a:p>
@@ -3847,6 +3855,183 @@
   <p:clrMapOvr>
     <a:masterClrMapping/>
   </p:clrMapOvr>
+  <p:timing>
+    <p:tnLst>
+      <p:par>
+        <p:cTn xmlns:p14="http://schemas.microsoft.com/office/powerpoint/2010/main" id="1" dur="indefinite" restart="never" nodeType="tmRoot">
+          <p:childTnLst>
+            <p:seq concurrent="1" nextAc="seek">
+              <p:cTn id="2" dur="indefinite" nodeType="mainSeq">
+                <p:childTnLst>
+                  <p:par>
+                    <p:cTn id="3" fill="hold">
+                      <p:stCondLst>
+                        <p:cond delay="indefinite"/>
+                      </p:stCondLst>
+                      <p:childTnLst>
+                        <p:par>
+                          <p:cTn id="4" fill="hold">
+                            <p:stCondLst>
+                              <p:cond delay="0"/>
+                            </p:stCondLst>
+                            <p:childTnLst>
+                              <p:par>
+                                <p:cTn id="5" presetID="1" presetClass="entr" presetSubtype="0" fill="hold" nodeType="clickEffect">
+                                  <p:stCondLst>
+                                    <p:cond delay="0"/>
+                                  </p:stCondLst>
+                                  <p:childTnLst>
+                                    <p:set>
+                                      <p:cBhvr>
+                                        <p:cTn id="6" dur="1" fill="hold">
+                                          <p:stCondLst>
+                                            <p:cond delay="0"/>
+                                          </p:stCondLst>
+                                        </p:cTn>
+                                        <p:tgtEl>
+                                          <p:spTgt spid="3">
+                                            <p:txEl>
+                                              <p:pRg st="0" end="0"/>
+                                            </p:txEl>
+                                          </p:spTgt>
+                                        </p:tgtEl>
+                                        <p:attrNameLst>
+                                          <p:attrName>style.visibility</p:attrName>
+                                        </p:attrNameLst>
+                                      </p:cBhvr>
+                                      <p:to>
+                                        <p:strVal val="visible"/>
+                                      </p:to>
+                                    </p:set>
+                                  </p:childTnLst>
+                                </p:cTn>
+                              </p:par>
+                            </p:childTnLst>
+                          </p:cTn>
+                        </p:par>
+                      </p:childTnLst>
+                    </p:cTn>
+                  </p:par>
+                  <p:par>
+                    <p:cTn id="7" fill="hold">
+                      <p:stCondLst>
+                        <p:cond delay="indefinite"/>
+                      </p:stCondLst>
+                      <p:childTnLst>
+                        <p:par>
+                          <p:cTn id="8" fill="hold">
+                            <p:stCondLst>
+                              <p:cond delay="0"/>
+                            </p:stCondLst>
+                            <p:childTnLst>
+                              <p:par>
+                                <p:cTn id="9" presetID="1" presetClass="entr" presetSubtype="0" fill="hold" nodeType="clickEffect">
+                                  <p:stCondLst>
+                                    <p:cond delay="0"/>
+                                  </p:stCondLst>
+                                  <p:childTnLst>
+                                    <p:set>
+                                      <p:cBhvr>
+                                        <p:cTn id="10" dur="1" fill="hold">
+                                          <p:stCondLst>
+                                            <p:cond delay="0"/>
+                                          </p:stCondLst>
+                                        </p:cTn>
+                                        <p:tgtEl>
+                                          <p:spTgt spid="3">
+                                            <p:txEl>
+                                              <p:pRg st="1" end="1"/>
+                                            </p:txEl>
+                                          </p:spTgt>
+                                        </p:tgtEl>
+                                        <p:attrNameLst>
+                                          <p:attrName>style.visibility</p:attrName>
+                                        </p:attrNameLst>
+                                      </p:cBhvr>
+                                      <p:to>
+                                        <p:strVal val="visible"/>
+                                      </p:to>
+                                    </p:set>
+                                  </p:childTnLst>
+                                </p:cTn>
+                              </p:par>
+                            </p:childTnLst>
+                          </p:cTn>
+                        </p:par>
+                      </p:childTnLst>
+                    </p:cTn>
+                  </p:par>
+                  <p:par>
+                    <p:cTn id="11" fill="hold">
+                      <p:stCondLst>
+                        <p:cond delay="indefinite"/>
+                      </p:stCondLst>
+                      <p:childTnLst>
+                        <p:par>
+                          <p:cTn id="12" fill="hold">
+                            <p:stCondLst>
+                              <p:cond delay="0"/>
+                            </p:stCondLst>
+                            <p:childTnLst>
+                              <p:par>
+                                <p:cTn id="13" presetID="1" presetClass="entr" presetSubtype="0" fill="hold" nodeType="clickEffect">
+                                  <p:stCondLst>
+                                    <p:cond delay="0"/>
+                                  </p:stCondLst>
+                                  <p:childTnLst>
+                                    <p:set>
+                                      <p:cBhvr>
+                                        <p:cTn id="14" dur="1" fill="hold">
+                                          <p:stCondLst>
+                                            <p:cond delay="0"/>
+                                          </p:stCondLst>
+                                        </p:cTn>
+                                        <p:tgtEl>
+                                          <p:spTgt spid="3">
+                                            <p:txEl>
+                                              <p:pRg st="2" end="2"/>
+                                            </p:txEl>
+                                          </p:spTgt>
+                                        </p:tgtEl>
+                                        <p:attrNameLst>
+                                          <p:attrName>style.visibility</p:attrName>
+                                        </p:attrNameLst>
+                                      </p:cBhvr>
+                                      <p:to>
+                                        <p:strVal val="visible"/>
+                                      </p:to>
+                                    </p:set>
+                                  </p:childTnLst>
+                                </p:cTn>
+                              </p:par>
+                            </p:childTnLst>
+                          </p:cTn>
+                        </p:par>
+                      </p:childTnLst>
+                    </p:cTn>
+                  </p:par>
+                </p:childTnLst>
+              </p:cTn>
+              <p:prevCondLst>
+                <p:cond evt="onPrev" delay="0">
+                  <p:tgtEl>
+                    <p:sldTgt/>
+                  </p:tgtEl>
+                </p:cond>
+              </p:prevCondLst>
+              <p:nextCondLst>
+                <p:cond evt="onNext" delay="0">
+                  <p:tgtEl>
+                    <p:sldTgt/>
+                  </p:tgtEl>
+                </p:cond>
+              </p:nextCondLst>
+            </p:seq>
+          </p:childTnLst>
+        </p:cTn>
+      </p:par>
+    </p:tnLst>
+  </p:timing>
 </p:sld>
 </file>
 
@@ -3907,7 +4092,31 @@
           <a:p>
             <a:r>
               <a:rPr lang="en-US" dirty="0" smtClean="0"/>
-              <a:t>What dictate the type of NB model you can use are you feature types. Depending on features you can use 3 different NB models: Gaussian, Bernoulli, and Multinomial</a:t>
+              <a:t>What </a:t>
+            </a:r>
+            <a:r>
+              <a:rPr lang="en-US" dirty="0" smtClean="0"/>
+              <a:t>does dictate </a:t>
+            </a:r>
+            <a:r>
+              <a:rPr lang="en-US" dirty="0" smtClean="0"/>
+              <a:t>the type of NB model you can </a:t>
+            </a:r>
+            <a:r>
+              <a:rPr lang="en-US" dirty="0" smtClean="0"/>
+              <a:t>use? The answer is your </a:t>
+            </a:r>
+            <a:r>
+              <a:rPr lang="en-US" dirty="0" smtClean="0"/>
+              <a:t>feature types. Depending on </a:t>
+            </a:r>
+            <a:r>
+              <a:rPr lang="en-US" dirty="0" smtClean="0"/>
+              <a:t>features, </a:t>
+            </a:r>
+            <a:r>
+              <a:rPr lang="en-US" dirty="0" smtClean="0"/>
+              <a:t>you can use 3 different NB models: Gaussian, Bernoulli, and Multinomial</a:t>
             </a:r>
           </a:p>
           <a:p>
@@ -3969,6 +4178,281 @@
   <p:clrMapOvr>
     <a:masterClrMapping/>
   </p:clrMapOvr>
+  <p:timing>
+    <p:tnLst>
+      <p:par>
+        <p:cTn xmlns:p14="http://schemas.microsoft.com/office/powerpoint/2010/main" id="1" dur="indefinite" restart="never" nodeType="tmRoot">
+          <p:childTnLst>
+            <p:seq concurrent="1" nextAc="seek">
+              <p:cTn id="2" dur="indefinite" nodeType="mainSeq">
+                <p:childTnLst>
+                  <p:par>
+                    <p:cTn id="3" fill="hold">
+                      <p:stCondLst>
+                        <p:cond delay="indefinite"/>
+                      </p:stCondLst>
+                      <p:childTnLst>
+                        <p:par>
+                          <p:cTn id="4" fill="hold">
+                            <p:stCondLst>
+                              <p:cond delay="0"/>
+                            </p:stCondLst>
+                            <p:childTnLst>
+                              <p:par>
+                                <p:cTn id="5" presetID="1" presetClass="entr" presetSubtype="0" fill="hold" nodeType="clickEffect">
+                                  <p:stCondLst>
+                                    <p:cond delay="0"/>
+                                  </p:stCondLst>
+                                  <p:childTnLst>
+                                    <p:set>
+                                      <p:cBhvr>
+                                        <p:cTn id="6" dur="1" fill="hold">
+                                          <p:stCondLst>
+                                            <p:cond delay="0"/>
+                                          </p:stCondLst>
+                                        </p:cTn>
+                                        <p:tgtEl>
+                                          <p:spTgt spid="3">
+                                            <p:txEl>
+                                              <p:pRg st="0" end="0"/>
+                                            </p:txEl>
+                                          </p:spTgt>
+                                        </p:tgtEl>
+                                        <p:attrNameLst>
+                                          <p:attrName>style.visibility</p:attrName>
+                                        </p:attrNameLst>
+                                      </p:cBhvr>
+                                      <p:to>
+                                        <p:strVal val="visible"/>
+                                      </p:to>
+                                    </p:set>
+                                  </p:childTnLst>
+                                </p:cTn>
+                              </p:par>
+                            </p:childTnLst>
+                          </p:cTn>
+                        </p:par>
+                      </p:childTnLst>
+                    </p:cTn>
+                  </p:par>
+                  <p:par>
+                    <p:cTn id="7" fill="hold">
+                      <p:stCondLst>
+                        <p:cond delay="indefinite"/>
+                      </p:stCondLst>
+                      <p:childTnLst>
+                        <p:par>
+                          <p:cTn id="8" fill="hold">
+                            <p:stCondLst>
+                              <p:cond delay="0"/>
+                            </p:stCondLst>
+                            <p:childTnLst>
+                              <p:par>
+                                <p:cTn id="9" presetID="1" presetClass="entr" presetSubtype="0" fill="hold" nodeType="clickEffect">
+                                  <p:stCondLst>
+                                    <p:cond delay="0"/>
+                                  </p:stCondLst>
+                                  <p:childTnLst>
+                                    <p:set>
+                                      <p:cBhvr>
+                                        <p:cTn id="10" dur="1" fill="hold">
+                                          <p:stCondLst>
+                                            <p:cond delay="0"/>
+                                          </p:stCondLst>
+                                        </p:cTn>
+                                        <p:tgtEl>
+                                          <p:spTgt spid="3">
+                                            <p:txEl>
+                                              <p:pRg st="1" end="1"/>
+                                            </p:txEl>
+                                          </p:spTgt>
+                                        </p:tgtEl>
+                                        <p:attrNameLst>
+                                          <p:attrName>style.visibility</p:attrName>
+                                        </p:attrNameLst>
+                                      </p:cBhvr>
+                                      <p:to>
+                                        <p:strVal val="visible"/>
+                                      </p:to>
+                                    </p:set>
+                                  </p:childTnLst>
+                                </p:cTn>
+                              </p:par>
+                            </p:childTnLst>
+                          </p:cTn>
+                        </p:par>
+                      </p:childTnLst>
+                    </p:cTn>
+                  </p:par>
+                  <p:par>
+                    <p:cTn id="11" fill="hold">
+                      <p:stCondLst>
+                        <p:cond delay="indefinite"/>
+                      </p:stCondLst>
+                      <p:childTnLst>
+                        <p:par>
+                          <p:cTn id="12" fill="hold">
+                            <p:stCondLst>
+                              <p:cond delay="0"/>
+                            </p:stCondLst>
+                            <p:childTnLst>
+                              <p:par>
+                                <p:cTn id="13" presetID="1" presetClass="entr" presetSubtype="0" fill="hold" nodeType="clickEffect">
+                                  <p:stCondLst>
+                                    <p:cond delay="0"/>
+                                  </p:stCondLst>
+                                  <p:childTnLst>
+                                    <p:set>
+                                      <p:cBhvr>
+                                        <p:cTn id="14" dur="1" fill="hold">
+                                          <p:stCondLst>
+                                            <p:cond delay="0"/>
+                                          </p:stCondLst>
+                                        </p:cTn>
+                                        <p:tgtEl>
+                                          <p:spTgt spid="3">
+                                            <p:txEl>
+                                              <p:pRg st="2" end="2"/>
+                                            </p:txEl>
+                                          </p:spTgt>
+                                        </p:tgtEl>
+                                        <p:attrNameLst>
+                                          <p:attrName>style.visibility</p:attrName>
+                                        </p:attrNameLst>
+                                      </p:cBhvr>
+                                      <p:to>
+                                        <p:strVal val="visible"/>
+                                      </p:to>
+                                    </p:set>
+                                  </p:childTnLst>
+                                </p:cTn>
+                              </p:par>
+                            </p:childTnLst>
+                          </p:cTn>
+                        </p:par>
+                      </p:childTnLst>
+                    </p:cTn>
+                  </p:par>
+                  <p:par>
+                    <p:cTn id="15" fill="hold">
+                      <p:stCondLst>
+                        <p:cond delay="indefinite"/>
+                      </p:stCondLst>
+                      <p:childTnLst>
+                        <p:par>
+                          <p:cTn id="16" fill="hold">
+                            <p:stCondLst>
+                              <p:cond delay="0"/>
+                            </p:stCondLst>
+                            <p:childTnLst>
+                              <p:par>
+                                <p:cTn id="17" presetID="1" presetClass="entr" presetSubtype="0" fill="hold" nodeType="clickEffect">
+                                  <p:stCondLst>
+                                    <p:cond delay="0"/>
+                                  </p:stCondLst>
+                                  <p:childTnLst>
+                                    <p:set>
+                                      <p:cBhvr>
+                                        <p:cTn id="18" dur="1" fill="hold">
+                                          <p:stCondLst>
+                                            <p:cond delay="0"/>
+                                          </p:stCondLst>
+                                        </p:cTn>
+                                        <p:tgtEl>
+                                          <p:spTgt spid="3">
+                                            <p:txEl>
+                                              <p:pRg st="3" end="3"/>
+                                            </p:txEl>
+                                          </p:spTgt>
+                                        </p:tgtEl>
+                                        <p:attrNameLst>
+                                          <p:attrName>style.visibility</p:attrName>
+                                        </p:attrNameLst>
+                                      </p:cBhvr>
+                                      <p:to>
+                                        <p:strVal val="visible"/>
+                                      </p:to>
+                                    </p:set>
+                                  </p:childTnLst>
+                                </p:cTn>
+                              </p:par>
+                            </p:childTnLst>
+                          </p:cTn>
+                        </p:par>
+                      </p:childTnLst>
+                    </p:cTn>
+                  </p:par>
+                  <p:par>
+                    <p:cTn id="19" fill="hold">
+                      <p:stCondLst>
+                        <p:cond delay="indefinite"/>
+                      </p:stCondLst>
+                      <p:childTnLst>
+                        <p:par>
+                          <p:cTn id="20" fill="hold">
+                            <p:stCondLst>
+                              <p:cond delay="0"/>
+                            </p:stCondLst>
+                            <p:childTnLst>
+                              <p:par>
+                                <p:cTn id="21" presetID="1" presetClass="entr" presetSubtype="0" fill="hold" nodeType="clickEffect">
+                                  <p:stCondLst>
+                                    <p:cond delay="0"/>
+                                  </p:stCondLst>
+                                  <p:childTnLst>
+                                    <p:set>
+                                      <p:cBhvr>
+                                        <p:cTn id="22" dur="1" fill="hold">
+                                          <p:stCondLst>
+                                            <p:cond delay="0"/>
+                                          </p:stCondLst>
+                                        </p:cTn>
+                                        <p:tgtEl>
+                                          <p:spTgt spid="3">
+                                            <p:txEl>
+                                              <p:pRg st="4" end="4"/>
+                                            </p:txEl>
+                                          </p:spTgt>
+                                        </p:tgtEl>
+                                        <p:attrNameLst>
+                                          <p:attrName>style.visibility</p:attrName>
+                                        </p:attrNameLst>
+                                      </p:cBhvr>
+                                      <p:to>
+                                        <p:strVal val="visible"/>
+                                      </p:to>
+                                    </p:set>
+                                  </p:childTnLst>
+                                </p:cTn>
+                              </p:par>
+                            </p:childTnLst>
+                          </p:cTn>
+                        </p:par>
+                      </p:childTnLst>
+                    </p:cTn>
+                  </p:par>
+                </p:childTnLst>
+              </p:cTn>
+              <p:prevCondLst>
+                <p:cond evt="onPrev" delay="0">
+                  <p:tgtEl>
+                    <p:sldTgt/>
+                  </p:tgtEl>
+                </p:cond>
+              </p:prevCondLst>
+              <p:nextCondLst>
+                <p:cond evt="onNext" delay="0">
+                  <p:tgtEl>
+                    <p:sldTgt/>
+                  </p:tgtEl>
+                </p:cond>
+              </p:nextCondLst>
+            </p:seq>
+          </p:childTnLst>
+        </p:cTn>
+      </p:par>
+    </p:tnLst>
+  </p:timing>
 </p:sld>
 </file>
 
@@ -4036,8 +4520,37 @@
           <a:p>
             <a:r>
               <a:rPr lang="en-US" dirty="0" smtClean="0"/>
-              <a:t>You shall make sure, your input features either look normal at their raw format, or after transformation. For instance you can use log transform to make most of negatively skewed distributions, symmetrical.</a:t>
-            </a:r>
+              <a:t>You </a:t>
+            </a:r>
+            <a:r>
+              <a:rPr lang="en-US" dirty="0" smtClean="0"/>
+              <a:t>should make </a:t>
+            </a:r>
+            <a:r>
+              <a:rPr lang="en-US" dirty="0" smtClean="0"/>
+              <a:t>sure, your input features either look normal at their raw format, </a:t>
+            </a:r>
+            <a:r>
+              <a:rPr lang="en-US" dirty="0" smtClean="0"/>
+              <a:t>or look normal </a:t>
+            </a:r>
+            <a:r>
+              <a:rPr lang="en-US" dirty="0" smtClean="0"/>
+              <a:t>after transformation. For instance you can use log transform to make most of </a:t>
+            </a:r>
+            <a:r>
+              <a:rPr lang="en-US" dirty="0" smtClean="0"/>
+              <a:t>positively skewed </a:t>
+            </a:r>
+            <a:r>
+              <a:rPr lang="en-US" dirty="0" smtClean="0"/>
+              <a:t>distributions, </a:t>
+            </a:r>
+            <a:r>
+              <a:rPr lang="en-US" dirty="0" smtClean="0"/>
+              <a:t>symmetric.</a:t>
+            </a:r>
+            <a:endParaRPr lang="en-US" dirty="0" smtClean="0"/>
           </a:p>
           <a:p>
             <a:r>
@@ -4076,7 +4589,7 @@
         </p:blipFill>
         <p:spPr>
           <a:xfrm>
-            <a:off x="1765299" y="5779943"/>
+            <a:off x="1622424" y="5779943"/>
             <a:ext cx="4505325" cy="744682"/>
           </a:xfrm>
           <a:prstGeom prst="rect">
@@ -4094,6 +4607,277 @@
   <p:clrMapOvr>
     <a:masterClrMapping/>
   </p:clrMapOvr>
+  <p:timing>
+    <p:tnLst>
+      <p:par>
+        <p:cTn xmlns:p14="http://schemas.microsoft.com/office/powerpoint/2010/main" id="1" dur="indefinite" restart="never" nodeType="tmRoot">
+          <p:childTnLst>
+            <p:seq concurrent="1" nextAc="seek">
+              <p:cTn id="2" dur="indefinite" nodeType="mainSeq">
+                <p:childTnLst>
+                  <p:par>
+                    <p:cTn id="3" fill="hold">
+                      <p:stCondLst>
+                        <p:cond delay="indefinite"/>
+                      </p:stCondLst>
+                      <p:childTnLst>
+                        <p:par>
+                          <p:cTn id="4" fill="hold">
+                            <p:stCondLst>
+                              <p:cond delay="0"/>
+                            </p:stCondLst>
+                            <p:childTnLst>
+                              <p:par>
+                                <p:cTn id="5" presetID="1" presetClass="entr" presetSubtype="0" fill="hold" nodeType="clickEffect">
+                                  <p:stCondLst>
+                                    <p:cond delay="0"/>
+                                  </p:stCondLst>
+                                  <p:childTnLst>
+                                    <p:set>
+                                      <p:cBhvr>
+                                        <p:cTn id="6" dur="1" fill="hold">
+                                          <p:stCondLst>
+                                            <p:cond delay="0"/>
+                                          </p:stCondLst>
+                                        </p:cTn>
+                                        <p:tgtEl>
+                                          <p:spTgt spid="3">
+                                            <p:txEl>
+                                              <p:pRg st="0" end="0"/>
+                                            </p:txEl>
+                                          </p:spTgt>
+                                        </p:tgtEl>
+                                        <p:attrNameLst>
+                                          <p:attrName>style.visibility</p:attrName>
+                                        </p:attrNameLst>
+                                      </p:cBhvr>
+                                      <p:to>
+                                        <p:strVal val="visible"/>
+                                      </p:to>
+                                    </p:set>
+                                  </p:childTnLst>
+                                </p:cTn>
+                              </p:par>
+                            </p:childTnLst>
+                          </p:cTn>
+                        </p:par>
+                      </p:childTnLst>
+                    </p:cTn>
+                  </p:par>
+                  <p:par>
+                    <p:cTn id="7" fill="hold">
+                      <p:stCondLst>
+                        <p:cond delay="indefinite"/>
+                      </p:stCondLst>
+                      <p:childTnLst>
+                        <p:par>
+                          <p:cTn id="8" fill="hold">
+                            <p:stCondLst>
+                              <p:cond delay="0"/>
+                            </p:stCondLst>
+                            <p:childTnLst>
+                              <p:par>
+                                <p:cTn id="9" presetID="1" presetClass="entr" presetSubtype="0" fill="hold" nodeType="clickEffect">
+                                  <p:stCondLst>
+                                    <p:cond delay="0"/>
+                                  </p:stCondLst>
+                                  <p:childTnLst>
+                                    <p:set>
+                                      <p:cBhvr>
+                                        <p:cTn id="10" dur="1" fill="hold">
+                                          <p:stCondLst>
+                                            <p:cond delay="0"/>
+                                          </p:stCondLst>
+                                        </p:cTn>
+                                        <p:tgtEl>
+                                          <p:spTgt spid="3">
+                                            <p:txEl>
+                                              <p:pRg st="1" end="1"/>
+                                            </p:txEl>
+                                          </p:spTgt>
+                                        </p:tgtEl>
+                                        <p:attrNameLst>
+                                          <p:attrName>style.visibility</p:attrName>
+                                        </p:attrNameLst>
+                                      </p:cBhvr>
+                                      <p:to>
+                                        <p:strVal val="visible"/>
+                                      </p:to>
+                                    </p:set>
+                                  </p:childTnLst>
+                                </p:cTn>
+                              </p:par>
+                            </p:childTnLst>
+                          </p:cTn>
+                        </p:par>
+                      </p:childTnLst>
+                    </p:cTn>
+                  </p:par>
+                  <p:par>
+                    <p:cTn id="11" fill="hold">
+                      <p:stCondLst>
+                        <p:cond delay="indefinite"/>
+                      </p:stCondLst>
+                      <p:childTnLst>
+                        <p:par>
+                          <p:cTn id="12" fill="hold">
+                            <p:stCondLst>
+                              <p:cond delay="0"/>
+                            </p:stCondLst>
+                            <p:childTnLst>
+                              <p:par>
+                                <p:cTn id="13" presetID="1" presetClass="entr" presetSubtype="0" fill="hold" nodeType="clickEffect">
+                                  <p:stCondLst>
+                                    <p:cond delay="0"/>
+                                  </p:stCondLst>
+                                  <p:childTnLst>
+                                    <p:set>
+                                      <p:cBhvr>
+                                        <p:cTn id="14" dur="1" fill="hold">
+                                          <p:stCondLst>
+                                            <p:cond delay="0"/>
+                                          </p:stCondLst>
+                                        </p:cTn>
+                                        <p:tgtEl>
+                                          <p:spTgt spid="3">
+                                            <p:txEl>
+                                              <p:pRg st="2" end="2"/>
+                                            </p:txEl>
+                                          </p:spTgt>
+                                        </p:tgtEl>
+                                        <p:attrNameLst>
+                                          <p:attrName>style.visibility</p:attrName>
+                                        </p:attrNameLst>
+                                      </p:cBhvr>
+                                      <p:to>
+                                        <p:strVal val="visible"/>
+                                      </p:to>
+                                    </p:set>
+                                  </p:childTnLst>
+                                </p:cTn>
+                              </p:par>
+                            </p:childTnLst>
+                          </p:cTn>
+                        </p:par>
+                      </p:childTnLst>
+                    </p:cTn>
+                  </p:par>
+                  <p:par>
+                    <p:cTn id="15" fill="hold">
+                      <p:stCondLst>
+                        <p:cond delay="indefinite"/>
+                      </p:stCondLst>
+                      <p:childTnLst>
+                        <p:par>
+                          <p:cTn id="16" fill="hold">
+                            <p:stCondLst>
+                              <p:cond delay="0"/>
+                            </p:stCondLst>
+                            <p:childTnLst>
+                              <p:par>
+                                <p:cTn id="17" presetID="1" presetClass="entr" presetSubtype="0" fill="hold" nodeType="clickEffect">
+                                  <p:stCondLst>
+                                    <p:cond delay="0"/>
+                                  </p:stCondLst>
+                                  <p:childTnLst>
+                                    <p:set>
+                                      <p:cBhvr>
+                                        <p:cTn id="18" dur="1" fill="hold">
+                                          <p:stCondLst>
+                                            <p:cond delay="0"/>
+                                          </p:stCondLst>
+                                        </p:cTn>
+                                        <p:tgtEl>
+                                          <p:spTgt spid="3">
+                                            <p:txEl>
+                                              <p:pRg st="3" end="3"/>
+                                            </p:txEl>
+                                          </p:spTgt>
+                                        </p:tgtEl>
+                                        <p:attrNameLst>
+                                          <p:attrName>style.visibility</p:attrName>
+                                        </p:attrNameLst>
+                                      </p:cBhvr>
+                                      <p:to>
+                                        <p:strVal val="visible"/>
+                                      </p:to>
+                                    </p:set>
+                                  </p:childTnLst>
+                                </p:cTn>
+                              </p:par>
+                            </p:childTnLst>
+                          </p:cTn>
+                        </p:par>
+                      </p:childTnLst>
+                    </p:cTn>
+                  </p:par>
+                  <p:par>
+                    <p:cTn id="19" fill="hold">
+                      <p:stCondLst>
+                        <p:cond delay="indefinite"/>
+                      </p:stCondLst>
+                      <p:childTnLst>
+                        <p:par>
+                          <p:cTn id="20" fill="hold">
+                            <p:stCondLst>
+                              <p:cond delay="0"/>
+                            </p:stCondLst>
+                            <p:childTnLst>
+                              <p:par>
+                                <p:cTn id="21" presetID="1" presetClass="entr" presetSubtype="0" fill="hold" nodeType="clickEffect">
+                                  <p:stCondLst>
+                                    <p:cond delay="0"/>
+                                  </p:stCondLst>
+                                  <p:childTnLst>
+                                    <p:set>
+                                      <p:cBhvr>
+                                        <p:cTn id="22" dur="1" fill="hold">
+                                          <p:stCondLst>
+                                            <p:cond delay="0"/>
+                                          </p:stCondLst>
+                                        </p:cTn>
+                                        <p:tgtEl>
+                                          <p:spTgt spid="4"/>
+                                        </p:tgtEl>
+                                        <p:attrNameLst>
+                                          <p:attrName>style.visibility</p:attrName>
+                                        </p:attrNameLst>
+                                      </p:cBhvr>
+                                      <p:to>
+                                        <p:strVal val="visible"/>
+                                      </p:to>
+                                    </p:set>
+                                  </p:childTnLst>
+                                </p:cTn>
+                              </p:par>
+                            </p:childTnLst>
+                          </p:cTn>
+                        </p:par>
+                      </p:childTnLst>
+                    </p:cTn>
+                  </p:par>
+                </p:childTnLst>
+              </p:cTn>
+              <p:prevCondLst>
+                <p:cond evt="onPrev" delay="0">
+                  <p:tgtEl>
+                    <p:sldTgt/>
+                  </p:tgtEl>
+                </p:cond>
+              </p:prevCondLst>
+              <p:nextCondLst>
+                <p:cond evt="onNext" delay="0">
+                  <p:tgtEl>
+                    <p:sldTgt/>
+                  </p:tgtEl>
+                </p:cond>
+              </p:nextCondLst>
+            </p:seq>
+          </p:childTnLst>
+        </p:cTn>
+      </p:par>
+    </p:tnLst>
+  </p:timing>
 </p:sld>
 </file>
 
@@ -4166,8 +4950,13 @@
           <a:p>
             <a:r>
               <a:rPr lang="en-US" dirty="0" smtClean="0"/>
-              <a:t>One of the fastest algorithms out there</a:t>
-            </a:r>
+              <a:t>One of the fastest </a:t>
+            </a:r>
+            <a:r>
+              <a:rPr lang="en-US" dirty="0" smtClean="0"/>
+              <a:t>algorithms</a:t>
+            </a:r>
+            <a:endParaRPr lang="en-US" dirty="0" smtClean="0"/>
           </a:p>
           <a:p>
             <a:r>
@@ -4208,6 +4997,330 @@
   <p:clrMapOvr>
     <a:masterClrMapping/>
   </p:clrMapOvr>
+  <p:timing>
+    <p:tnLst>
+      <p:par>
+        <p:cTn xmlns:p14="http://schemas.microsoft.com/office/powerpoint/2010/main" id="1" dur="indefinite" restart="never" nodeType="tmRoot">
+          <p:childTnLst>
+            <p:seq concurrent="1" nextAc="seek">
+              <p:cTn id="2" dur="indefinite" nodeType="mainSeq">
+                <p:childTnLst>
+                  <p:par>
+                    <p:cTn id="3" fill="hold">
+                      <p:stCondLst>
+                        <p:cond delay="indefinite"/>
+                      </p:stCondLst>
+                      <p:childTnLst>
+                        <p:par>
+                          <p:cTn id="4" fill="hold">
+                            <p:stCondLst>
+                              <p:cond delay="0"/>
+                            </p:stCondLst>
+                            <p:childTnLst>
+                              <p:par>
+                                <p:cTn id="5" presetID="1" presetClass="entr" presetSubtype="0" fill="hold" nodeType="clickEffect">
+                                  <p:stCondLst>
+                                    <p:cond delay="0"/>
+                                  </p:stCondLst>
+                                  <p:childTnLst>
+                                    <p:set>
+                                      <p:cBhvr>
+                                        <p:cTn id="6" dur="1" fill="hold">
+                                          <p:stCondLst>
+                                            <p:cond delay="0"/>
+                                          </p:stCondLst>
+                                        </p:cTn>
+                                        <p:tgtEl>
+                                          <p:spTgt spid="3">
+                                            <p:txEl>
+                                              <p:pRg st="0" end="0"/>
+                                            </p:txEl>
+                                          </p:spTgt>
+                                        </p:tgtEl>
+                                        <p:attrNameLst>
+                                          <p:attrName>style.visibility</p:attrName>
+                                        </p:attrNameLst>
+                                      </p:cBhvr>
+                                      <p:to>
+                                        <p:strVal val="visible"/>
+                                      </p:to>
+                                    </p:set>
+                                  </p:childTnLst>
+                                </p:cTn>
+                              </p:par>
+                            </p:childTnLst>
+                          </p:cTn>
+                        </p:par>
+                      </p:childTnLst>
+                    </p:cTn>
+                  </p:par>
+                  <p:par>
+                    <p:cTn id="7" fill="hold">
+                      <p:stCondLst>
+                        <p:cond delay="indefinite"/>
+                      </p:stCondLst>
+                      <p:childTnLst>
+                        <p:par>
+                          <p:cTn id="8" fill="hold">
+                            <p:stCondLst>
+                              <p:cond delay="0"/>
+                            </p:stCondLst>
+                            <p:childTnLst>
+                              <p:par>
+                                <p:cTn id="9" presetID="1" presetClass="entr" presetSubtype="0" fill="hold" nodeType="clickEffect">
+                                  <p:stCondLst>
+                                    <p:cond delay="0"/>
+                                  </p:stCondLst>
+                                  <p:childTnLst>
+                                    <p:set>
+                                      <p:cBhvr>
+                                        <p:cTn id="10" dur="1" fill="hold">
+                                          <p:stCondLst>
+                                            <p:cond delay="0"/>
+                                          </p:stCondLst>
+                                        </p:cTn>
+                                        <p:tgtEl>
+                                          <p:spTgt spid="3">
+                                            <p:txEl>
+                                              <p:pRg st="1" end="1"/>
+                                            </p:txEl>
+                                          </p:spTgt>
+                                        </p:tgtEl>
+                                        <p:attrNameLst>
+                                          <p:attrName>style.visibility</p:attrName>
+                                        </p:attrNameLst>
+                                      </p:cBhvr>
+                                      <p:to>
+                                        <p:strVal val="visible"/>
+                                      </p:to>
+                                    </p:set>
+                                  </p:childTnLst>
+                                </p:cTn>
+                              </p:par>
+                            </p:childTnLst>
+                          </p:cTn>
+                        </p:par>
+                      </p:childTnLst>
+                    </p:cTn>
+                  </p:par>
+                  <p:par>
+                    <p:cTn id="11" fill="hold">
+                      <p:stCondLst>
+                        <p:cond delay="indefinite"/>
+                      </p:stCondLst>
+                      <p:childTnLst>
+                        <p:par>
+                          <p:cTn id="12" fill="hold">
+                            <p:stCondLst>
+                              <p:cond delay="0"/>
+                            </p:stCondLst>
+                            <p:childTnLst>
+                              <p:par>
+                                <p:cTn id="13" presetID="1" presetClass="entr" presetSubtype="0" fill="hold" nodeType="clickEffect">
+                                  <p:stCondLst>
+                                    <p:cond delay="0"/>
+                                  </p:stCondLst>
+                                  <p:childTnLst>
+                                    <p:set>
+                                      <p:cBhvr>
+                                        <p:cTn id="14" dur="1" fill="hold">
+                                          <p:stCondLst>
+                                            <p:cond delay="0"/>
+                                          </p:stCondLst>
+                                        </p:cTn>
+                                        <p:tgtEl>
+                                          <p:spTgt spid="3">
+                                            <p:txEl>
+                                              <p:pRg st="2" end="2"/>
+                                            </p:txEl>
+                                          </p:spTgt>
+                                        </p:tgtEl>
+                                        <p:attrNameLst>
+                                          <p:attrName>style.visibility</p:attrName>
+                                        </p:attrNameLst>
+                                      </p:cBhvr>
+                                      <p:to>
+                                        <p:strVal val="visible"/>
+                                      </p:to>
+                                    </p:set>
+                                  </p:childTnLst>
+                                </p:cTn>
+                              </p:par>
+                            </p:childTnLst>
+                          </p:cTn>
+                        </p:par>
+                      </p:childTnLst>
+                    </p:cTn>
+                  </p:par>
+                  <p:par>
+                    <p:cTn id="15" fill="hold">
+                      <p:stCondLst>
+                        <p:cond delay="indefinite"/>
+                      </p:stCondLst>
+                      <p:childTnLst>
+                        <p:par>
+                          <p:cTn id="16" fill="hold">
+                            <p:stCondLst>
+                              <p:cond delay="0"/>
+                            </p:stCondLst>
+                            <p:childTnLst>
+                              <p:par>
+                                <p:cTn id="17" presetID="1" presetClass="entr" presetSubtype="0" fill="hold" nodeType="clickEffect">
+                                  <p:stCondLst>
+                                    <p:cond delay="0"/>
+                                  </p:stCondLst>
+                                  <p:childTnLst>
+                                    <p:set>
+                                      <p:cBhvr>
+                                        <p:cTn id="18" dur="1" fill="hold">
+                                          <p:stCondLst>
+                                            <p:cond delay="0"/>
+                                          </p:stCondLst>
+                                        </p:cTn>
+                                        <p:tgtEl>
+                                          <p:spTgt spid="3">
+                                            <p:txEl>
+                                              <p:pRg st="3" end="3"/>
+                                            </p:txEl>
+                                          </p:spTgt>
+                                        </p:tgtEl>
+                                        <p:attrNameLst>
+                                          <p:attrName>style.visibility</p:attrName>
+                                        </p:attrNameLst>
+                                      </p:cBhvr>
+                                      <p:to>
+                                        <p:strVal val="visible"/>
+                                      </p:to>
+                                    </p:set>
+                                  </p:childTnLst>
+                                </p:cTn>
+                              </p:par>
+                            </p:childTnLst>
+                          </p:cTn>
+                        </p:par>
+                      </p:childTnLst>
+                    </p:cTn>
+                  </p:par>
+                  <p:par>
+                    <p:cTn id="19" fill="hold">
+                      <p:stCondLst>
+                        <p:cond delay="indefinite"/>
+                      </p:stCondLst>
+                      <p:childTnLst>
+                        <p:par>
+                          <p:cTn id="20" fill="hold">
+                            <p:stCondLst>
+                              <p:cond delay="0"/>
+                            </p:stCondLst>
+                            <p:childTnLst>
+                              <p:par>
+                                <p:cTn id="21" presetID="1" presetClass="entr" presetSubtype="0" fill="hold" nodeType="clickEffect">
+                                  <p:stCondLst>
+                                    <p:cond delay="0"/>
+                                  </p:stCondLst>
+                                  <p:childTnLst>
+                                    <p:set>
+                                      <p:cBhvr>
+                                        <p:cTn id="22" dur="1" fill="hold">
+                                          <p:stCondLst>
+                                            <p:cond delay="0"/>
+                                          </p:stCondLst>
+                                        </p:cTn>
+                                        <p:tgtEl>
+                                          <p:spTgt spid="3">
+                                            <p:txEl>
+                                              <p:pRg st="4" end="4"/>
+                                            </p:txEl>
+                                          </p:spTgt>
+                                        </p:tgtEl>
+                                        <p:attrNameLst>
+                                          <p:attrName>style.visibility</p:attrName>
+                                        </p:attrNameLst>
+                                      </p:cBhvr>
+                                      <p:to>
+                                        <p:strVal val="visible"/>
+                                      </p:to>
+                                    </p:set>
+                                  </p:childTnLst>
+                                </p:cTn>
+                              </p:par>
+                            </p:childTnLst>
+                          </p:cTn>
+                        </p:par>
+                      </p:childTnLst>
+                    </p:cTn>
+                  </p:par>
+                  <p:par>
+                    <p:cTn id="23" fill="hold">
+                      <p:stCondLst>
+                        <p:cond delay="indefinite"/>
+                      </p:stCondLst>
+                      <p:childTnLst>
+                        <p:par>
+                          <p:cTn id="24" fill="hold">
+                            <p:stCondLst>
+                              <p:cond delay="0"/>
+                            </p:stCondLst>
+                            <p:childTnLst>
+                              <p:par>
+                                <p:cTn id="25" presetID="1" presetClass="entr" presetSubtype="0" fill="hold" nodeType="clickEffect">
+                                  <p:stCondLst>
+                                    <p:cond delay="0"/>
+                                  </p:stCondLst>
+                                  <p:childTnLst>
+                                    <p:set>
+                                      <p:cBhvr>
+                                        <p:cTn id="26" dur="1" fill="hold">
+                                          <p:stCondLst>
+                                            <p:cond delay="0"/>
+                                          </p:stCondLst>
+                                        </p:cTn>
+                                        <p:tgtEl>
+                                          <p:spTgt spid="3">
+                                            <p:txEl>
+                                              <p:pRg st="5" end="5"/>
+                                            </p:txEl>
+                                          </p:spTgt>
+                                        </p:tgtEl>
+                                        <p:attrNameLst>
+                                          <p:attrName>style.visibility</p:attrName>
+                                        </p:attrNameLst>
+                                      </p:cBhvr>
+                                      <p:to>
+                                        <p:strVal val="visible"/>
+                                      </p:to>
+                                    </p:set>
+                                  </p:childTnLst>
+                                </p:cTn>
+                              </p:par>
+                            </p:childTnLst>
+                          </p:cTn>
+                        </p:par>
+                      </p:childTnLst>
+                    </p:cTn>
+                  </p:par>
+                </p:childTnLst>
+              </p:cTn>
+              <p:prevCondLst>
+                <p:cond evt="onPrev" delay="0">
+                  <p:tgtEl>
+                    <p:sldTgt/>
+                  </p:tgtEl>
+                </p:cond>
+              </p:prevCondLst>
+              <p:nextCondLst>
+                <p:cond evt="onNext" delay="0">
+                  <p:tgtEl>
+                    <p:sldTgt/>
+                  </p:tgtEl>
+                </p:cond>
+              </p:nextCondLst>
+            </p:seq>
+          </p:childTnLst>
+        </p:cTn>
+      </p:par>
+    </p:tnLst>
+  </p:timing>
 </p:sld>
 </file>
 
@@ -4279,8 +5392,24 @@
           </a:p>
           <a:p>
             <a:r>
-              <a:rPr lang="en-US" dirty="0" smtClean="0"/>
-              <a:t>It works under the assumption that your inputs are normally distributed. If that is not the case you either cannot use it or need to transform your variables. </a:t>
+              <a:rPr lang="en-US" dirty="0" err="1" smtClean="0"/>
+              <a:t>GaussianNB</a:t>
+            </a:r>
+            <a:r>
+              <a:rPr lang="en-US" dirty="0" smtClean="0"/>
+              <a:t> </a:t>
+            </a:r>
+            <a:r>
+              <a:rPr lang="en-US" dirty="0" smtClean="0"/>
+              <a:t>works under the assumption that your inputs are normally distributed. If that is not the </a:t>
+            </a:r>
+            <a:r>
+              <a:rPr lang="en-US" dirty="0" smtClean="0"/>
+              <a:t>case, </a:t>
+            </a:r>
+            <a:r>
+              <a:rPr lang="en-US" dirty="0" smtClean="0"/>
+              <a:t>you either cannot use it or need to transform your variables. </a:t>
             </a:r>
           </a:p>
           <a:p>
@@ -4302,6 +5431,232 @@
   <p:clrMapOvr>
     <a:masterClrMapping/>
   </p:clrMapOvr>
+  <p:timing>
+    <p:tnLst>
+      <p:par>
+        <p:cTn xmlns:p14="http://schemas.microsoft.com/office/powerpoint/2010/main" id="1" dur="indefinite" restart="never" nodeType="tmRoot">
+          <p:childTnLst>
+            <p:seq concurrent="1" nextAc="seek">
+              <p:cTn id="2" dur="indefinite" nodeType="mainSeq">
+                <p:childTnLst>
+                  <p:par>
+                    <p:cTn id="3" fill="hold">
+                      <p:stCondLst>
+                        <p:cond delay="indefinite"/>
+                      </p:stCondLst>
+                      <p:childTnLst>
+                        <p:par>
+                          <p:cTn id="4" fill="hold">
+                            <p:stCondLst>
+                              <p:cond delay="0"/>
+                            </p:stCondLst>
+                            <p:childTnLst>
+                              <p:par>
+                                <p:cTn id="5" presetID="1" presetClass="entr" presetSubtype="0" fill="hold" nodeType="clickEffect">
+                                  <p:stCondLst>
+                                    <p:cond delay="0"/>
+                                  </p:stCondLst>
+                                  <p:childTnLst>
+                                    <p:set>
+                                      <p:cBhvr>
+                                        <p:cTn id="6" dur="1" fill="hold">
+                                          <p:stCondLst>
+                                            <p:cond delay="0"/>
+                                          </p:stCondLst>
+                                        </p:cTn>
+                                        <p:tgtEl>
+                                          <p:spTgt spid="3">
+                                            <p:txEl>
+                                              <p:pRg st="0" end="0"/>
+                                            </p:txEl>
+                                          </p:spTgt>
+                                        </p:tgtEl>
+                                        <p:attrNameLst>
+                                          <p:attrName>style.visibility</p:attrName>
+                                        </p:attrNameLst>
+                                      </p:cBhvr>
+                                      <p:to>
+                                        <p:strVal val="visible"/>
+                                      </p:to>
+                                    </p:set>
+                                  </p:childTnLst>
+                                </p:cTn>
+                              </p:par>
+                            </p:childTnLst>
+                          </p:cTn>
+                        </p:par>
+                      </p:childTnLst>
+                    </p:cTn>
+                  </p:par>
+                  <p:par>
+                    <p:cTn id="7" fill="hold">
+                      <p:stCondLst>
+                        <p:cond delay="indefinite"/>
+                      </p:stCondLst>
+                      <p:childTnLst>
+                        <p:par>
+                          <p:cTn id="8" fill="hold">
+                            <p:stCondLst>
+                              <p:cond delay="0"/>
+                            </p:stCondLst>
+                            <p:childTnLst>
+                              <p:par>
+                                <p:cTn id="9" presetID="1" presetClass="entr" presetSubtype="0" fill="hold" nodeType="clickEffect">
+                                  <p:stCondLst>
+                                    <p:cond delay="0"/>
+                                  </p:stCondLst>
+                                  <p:childTnLst>
+                                    <p:set>
+                                      <p:cBhvr>
+                                        <p:cTn id="10" dur="1" fill="hold">
+                                          <p:stCondLst>
+                                            <p:cond delay="0"/>
+                                          </p:stCondLst>
+                                        </p:cTn>
+                                        <p:tgtEl>
+                                          <p:spTgt spid="3">
+                                            <p:txEl>
+                                              <p:pRg st="1" end="1"/>
+                                            </p:txEl>
+                                          </p:spTgt>
+                                        </p:tgtEl>
+                                        <p:attrNameLst>
+                                          <p:attrName>style.visibility</p:attrName>
+                                        </p:attrNameLst>
+                                      </p:cBhvr>
+                                      <p:to>
+                                        <p:strVal val="visible"/>
+                                      </p:to>
+                                    </p:set>
+                                  </p:childTnLst>
+                                </p:cTn>
+                              </p:par>
+                            </p:childTnLst>
+                          </p:cTn>
+                        </p:par>
+                      </p:childTnLst>
+                    </p:cTn>
+                  </p:par>
+                  <p:par>
+                    <p:cTn id="11" fill="hold">
+                      <p:stCondLst>
+                        <p:cond delay="indefinite"/>
+                      </p:stCondLst>
+                      <p:childTnLst>
+                        <p:par>
+                          <p:cTn id="12" fill="hold">
+                            <p:stCondLst>
+                              <p:cond delay="0"/>
+                            </p:stCondLst>
+                            <p:childTnLst>
+                              <p:par>
+                                <p:cTn id="13" presetID="1" presetClass="entr" presetSubtype="0" fill="hold" nodeType="clickEffect">
+                                  <p:stCondLst>
+                                    <p:cond delay="0"/>
+                                  </p:stCondLst>
+                                  <p:childTnLst>
+                                    <p:set>
+                                      <p:cBhvr>
+                                        <p:cTn id="14" dur="1" fill="hold">
+                                          <p:stCondLst>
+                                            <p:cond delay="0"/>
+                                          </p:stCondLst>
+                                        </p:cTn>
+                                        <p:tgtEl>
+                                          <p:spTgt spid="3">
+                                            <p:txEl>
+                                              <p:pRg st="2" end="2"/>
+                                            </p:txEl>
+                                          </p:spTgt>
+                                        </p:tgtEl>
+                                        <p:attrNameLst>
+                                          <p:attrName>style.visibility</p:attrName>
+                                        </p:attrNameLst>
+                                      </p:cBhvr>
+                                      <p:to>
+                                        <p:strVal val="visible"/>
+                                      </p:to>
+                                    </p:set>
+                                  </p:childTnLst>
+                                </p:cTn>
+                              </p:par>
+                            </p:childTnLst>
+                          </p:cTn>
+                        </p:par>
+                      </p:childTnLst>
+                    </p:cTn>
+                  </p:par>
+                  <p:par>
+                    <p:cTn id="15" fill="hold">
+                      <p:stCondLst>
+                        <p:cond delay="indefinite"/>
+                      </p:stCondLst>
+                      <p:childTnLst>
+                        <p:par>
+                          <p:cTn id="16" fill="hold">
+                            <p:stCondLst>
+                              <p:cond delay="0"/>
+                            </p:stCondLst>
+                            <p:childTnLst>
+                              <p:par>
+                                <p:cTn id="17" presetID="1" presetClass="entr" presetSubtype="0" fill="hold" nodeType="clickEffect">
+                                  <p:stCondLst>
+                                    <p:cond delay="0"/>
+                                  </p:stCondLst>
+                                  <p:childTnLst>
+                                    <p:set>
+                                      <p:cBhvr>
+                                        <p:cTn id="18" dur="1" fill="hold">
+                                          <p:stCondLst>
+                                            <p:cond delay="0"/>
+                                          </p:stCondLst>
+                                        </p:cTn>
+                                        <p:tgtEl>
+                                          <p:spTgt spid="3">
+                                            <p:txEl>
+                                              <p:pRg st="3" end="3"/>
+                                            </p:txEl>
+                                          </p:spTgt>
+                                        </p:tgtEl>
+                                        <p:attrNameLst>
+                                          <p:attrName>style.visibility</p:attrName>
+                                        </p:attrNameLst>
+                                      </p:cBhvr>
+                                      <p:to>
+                                        <p:strVal val="visible"/>
+                                      </p:to>
+                                    </p:set>
+                                  </p:childTnLst>
+                                </p:cTn>
+                              </p:par>
+                            </p:childTnLst>
+                          </p:cTn>
+                        </p:par>
+                      </p:childTnLst>
+                    </p:cTn>
+                  </p:par>
+                </p:childTnLst>
+              </p:cTn>
+              <p:prevCondLst>
+                <p:cond evt="onPrev" delay="0">
+                  <p:tgtEl>
+                    <p:sldTgt/>
+                  </p:tgtEl>
+                </p:cond>
+              </p:prevCondLst>
+              <p:nextCondLst>
+                <p:cond evt="onNext" delay="0">
+                  <p:tgtEl>
+                    <p:sldTgt/>
+                  </p:tgtEl>
+                </p:cond>
+              </p:nextCondLst>
+            </p:seq>
+          </p:childTnLst>
+        </p:cTn>
+      </p:par>
+    </p:tnLst>
+  </p:timing>
 </p:sld>
 </file>
 
@@ -4368,11 +5723,7 @@
           <a:p>
             <a:r>
               <a:rPr lang="en-US" dirty="0" smtClean="0"/>
-              <a:t>Learned </a:t>
-            </a:r>
-            <a:r>
-              <a:rPr lang="en-US" dirty="0" smtClean="0"/>
-              <a:t>how NB algorithm works</a:t>
+              <a:t>Learned how NB algorithm works</a:t>
             </a:r>
           </a:p>
           <a:p>
@@ -4384,11 +5735,7 @@
           <a:p>
             <a:r>
               <a:rPr lang="en-US" dirty="0" smtClean="0"/>
-              <a:t>Limitations and advantages </a:t>
-            </a:r>
-            <a:r>
-              <a:rPr lang="en-US" smtClean="0"/>
-              <a:t>of NB</a:t>
+              <a:t>Limitations and advantages of NB</a:t>
             </a:r>
             <a:endParaRPr lang="en-US" dirty="0"/>
           </a:p>
@@ -4404,6 +5751,232 @@
   <p:clrMapOvr>
     <a:masterClrMapping/>
   </p:clrMapOvr>
+  <p:timing>
+    <p:tnLst>
+      <p:par>
+        <p:cTn xmlns:p14="http://schemas.microsoft.com/office/powerpoint/2010/main" id="1" dur="indefinite" restart="never" nodeType="tmRoot">
+          <p:childTnLst>
+            <p:seq concurrent="1" nextAc="seek">
+              <p:cTn id="2" dur="indefinite" nodeType="mainSeq">
+                <p:childTnLst>
+                  <p:par>
+                    <p:cTn id="3" fill="hold">
+                      <p:stCondLst>
+                        <p:cond delay="indefinite"/>
+                      </p:stCondLst>
+                      <p:childTnLst>
+                        <p:par>
+                          <p:cTn id="4" fill="hold">
+                            <p:stCondLst>
+                              <p:cond delay="0"/>
+                            </p:stCondLst>
+                            <p:childTnLst>
+                              <p:par>
+                                <p:cTn id="5" presetID="1" presetClass="entr" presetSubtype="0" fill="hold" nodeType="clickEffect">
+                                  <p:stCondLst>
+                                    <p:cond delay="0"/>
+                                  </p:stCondLst>
+                                  <p:childTnLst>
+                                    <p:set>
+                                      <p:cBhvr>
+                                        <p:cTn id="6" dur="1" fill="hold">
+                                          <p:stCondLst>
+                                            <p:cond delay="0"/>
+                                          </p:stCondLst>
+                                        </p:cTn>
+                                        <p:tgtEl>
+                                          <p:spTgt spid="3">
+                                            <p:txEl>
+                                              <p:pRg st="0" end="0"/>
+                                            </p:txEl>
+                                          </p:spTgt>
+                                        </p:tgtEl>
+                                        <p:attrNameLst>
+                                          <p:attrName>style.visibility</p:attrName>
+                                        </p:attrNameLst>
+                                      </p:cBhvr>
+                                      <p:to>
+                                        <p:strVal val="visible"/>
+                                      </p:to>
+                                    </p:set>
+                                  </p:childTnLst>
+                                </p:cTn>
+                              </p:par>
+                            </p:childTnLst>
+                          </p:cTn>
+                        </p:par>
+                      </p:childTnLst>
+                    </p:cTn>
+                  </p:par>
+                  <p:par>
+                    <p:cTn id="7" fill="hold">
+                      <p:stCondLst>
+                        <p:cond delay="indefinite"/>
+                      </p:stCondLst>
+                      <p:childTnLst>
+                        <p:par>
+                          <p:cTn id="8" fill="hold">
+                            <p:stCondLst>
+                              <p:cond delay="0"/>
+                            </p:stCondLst>
+                            <p:childTnLst>
+                              <p:par>
+                                <p:cTn id="9" presetID="1" presetClass="entr" presetSubtype="0" fill="hold" nodeType="clickEffect">
+                                  <p:stCondLst>
+                                    <p:cond delay="0"/>
+                                  </p:stCondLst>
+                                  <p:childTnLst>
+                                    <p:set>
+                                      <p:cBhvr>
+                                        <p:cTn id="10" dur="1" fill="hold">
+                                          <p:stCondLst>
+                                            <p:cond delay="0"/>
+                                          </p:stCondLst>
+                                        </p:cTn>
+                                        <p:tgtEl>
+                                          <p:spTgt spid="3">
+                                            <p:txEl>
+                                              <p:pRg st="1" end="1"/>
+                                            </p:txEl>
+                                          </p:spTgt>
+                                        </p:tgtEl>
+                                        <p:attrNameLst>
+                                          <p:attrName>style.visibility</p:attrName>
+                                        </p:attrNameLst>
+                                      </p:cBhvr>
+                                      <p:to>
+                                        <p:strVal val="visible"/>
+                                      </p:to>
+                                    </p:set>
+                                  </p:childTnLst>
+                                </p:cTn>
+                              </p:par>
+                            </p:childTnLst>
+                          </p:cTn>
+                        </p:par>
+                      </p:childTnLst>
+                    </p:cTn>
+                  </p:par>
+                  <p:par>
+                    <p:cTn id="11" fill="hold">
+                      <p:stCondLst>
+                        <p:cond delay="indefinite"/>
+                      </p:stCondLst>
+                      <p:childTnLst>
+                        <p:par>
+                          <p:cTn id="12" fill="hold">
+                            <p:stCondLst>
+                              <p:cond delay="0"/>
+                            </p:stCondLst>
+                            <p:childTnLst>
+                              <p:par>
+                                <p:cTn id="13" presetID="1" presetClass="entr" presetSubtype="0" fill="hold" nodeType="clickEffect">
+                                  <p:stCondLst>
+                                    <p:cond delay="0"/>
+                                  </p:stCondLst>
+                                  <p:childTnLst>
+                                    <p:set>
+                                      <p:cBhvr>
+                                        <p:cTn id="14" dur="1" fill="hold">
+                                          <p:stCondLst>
+                                            <p:cond delay="0"/>
+                                          </p:stCondLst>
+                                        </p:cTn>
+                                        <p:tgtEl>
+                                          <p:spTgt spid="3">
+                                            <p:txEl>
+                                              <p:pRg st="2" end="2"/>
+                                            </p:txEl>
+                                          </p:spTgt>
+                                        </p:tgtEl>
+                                        <p:attrNameLst>
+                                          <p:attrName>style.visibility</p:attrName>
+                                        </p:attrNameLst>
+                                      </p:cBhvr>
+                                      <p:to>
+                                        <p:strVal val="visible"/>
+                                      </p:to>
+                                    </p:set>
+                                  </p:childTnLst>
+                                </p:cTn>
+                              </p:par>
+                            </p:childTnLst>
+                          </p:cTn>
+                        </p:par>
+                      </p:childTnLst>
+                    </p:cTn>
+                  </p:par>
+                  <p:par>
+                    <p:cTn id="15" fill="hold">
+                      <p:stCondLst>
+                        <p:cond delay="indefinite"/>
+                      </p:stCondLst>
+                      <p:childTnLst>
+                        <p:par>
+                          <p:cTn id="16" fill="hold">
+                            <p:stCondLst>
+                              <p:cond delay="0"/>
+                            </p:stCondLst>
+                            <p:childTnLst>
+                              <p:par>
+                                <p:cTn id="17" presetID="1" presetClass="entr" presetSubtype="0" fill="hold" nodeType="clickEffect">
+                                  <p:stCondLst>
+                                    <p:cond delay="0"/>
+                                  </p:stCondLst>
+                                  <p:childTnLst>
+                                    <p:set>
+                                      <p:cBhvr>
+                                        <p:cTn id="18" dur="1" fill="hold">
+                                          <p:stCondLst>
+                                            <p:cond delay="0"/>
+                                          </p:stCondLst>
+                                        </p:cTn>
+                                        <p:tgtEl>
+                                          <p:spTgt spid="3">
+                                            <p:txEl>
+                                              <p:pRg st="3" end="3"/>
+                                            </p:txEl>
+                                          </p:spTgt>
+                                        </p:tgtEl>
+                                        <p:attrNameLst>
+                                          <p:attrName>style.visibility</p:attrName>
+                                        </p:attrNameLst>
+                                      </p:cBhvr>
+                                      <p:to>
+                                        <p:strVal val="visible"/>
+                                      </p:to>
+                                    </p:set>
+                                  </p:childTnLst>
+                                </p:cTn>
+                              </p:par>
+                            </p:childTnLst>
+                          </p:cTn>
+                        </p:par>
+                      </p:childTnLst>
+                    </p:cTn>
+                  </p:par>
+                </p:childTnLst>
+              </p:cTn>
+              <p:prevCondLst>
+                <p:cond evt="onPrev" delay="0">
+                  <p:tgtEl>
+                    <p:sldTgt/>
+                  </p:tgtEl>
+                </p:cond>
+              </p:prevCondLst>
+              <p:nextCondLst>
+                <p:cond evt="onNext" delay="0">
+                  <p:tgtEl>
+                    <p:sldTgt/>
+                  </p:tgtEl>
+                </p:cond>
+              </p:nextCondLst>
+            </p:seq>
+          </p:childTnLst>
+        </p:cTn>
+      </p:par>
+    </p:tnLst>
+  </p:timing>
 </p:sld>
 </file>
 
@@ -4497,6 +6070,232 @@
   <p:clrMapOvr>
     <a:masterClrMapping/>
   </p:clrMapOvr>
+  <p:timing>
+    <p:tnLst>
+      <p:par>
+        <p:cTn xmlns:p14="http://schemas.microsoft.com/office/powerpoint/2010/main" id="1" dur="indefinite" restart="never" nodeType="tmRoot">
+          <p:childTnLst>
+            <p:seq concurrent="1" nextAc="seek">
+              <p:cTn id="2" dur="indefinite" nodeType="mainSeq">
+                <p:childTnLst>
+                  <p:par>
+                    <p:cTn id="3" fill="hold">
+                      <p:stCondLst>
+                        <p:cond delay="indefinite"/>
+                      </p:stCondLst>
+                      <p:childTnLst>
+                        <p:par>
+                          <p:cTn id="4" fill="hold">
+                            <p:stCondLst>
+                              <p:cond delay="0"/>
+                            </p:stCondLst>
+                            <p:childTnLst>
+                              <p:par>
+                                <p:cTn id="5" presetID="1" presetClass="entr" presetSubtype="0" fill="hold" nodeType="clickEffect">
+                                  <p:stCondLst>
+                                    <p:cond delay="0"/>
+                                  </p:stCondLst>
+                                  <p:childTnLst>
+                                    <p:set>
+                                      <p:cBhvr>
+                                        <p:cTn id="6" dur="1" fill="hold">
+                                          <p:stCondLst>
+                                            <p:cond delay="0"/>
+                                          </p:stCondLst>
+                                        </p:cTn>
+                                        <p:tgtEl>
+                                          <p:spTgt spid="3">
+                                            <p:txEl>
+                                              <p:pRg st="0" end="0"/>
+                                            </p:txEl>
+                                          </p:spTgt>
+                                        </p:tgtEl>
+                                        <p:attrNameLst>
+                                          <p:attrName>style.visibility</p:attrName>
+                                        </p:attrNameLst>
+                                      </p:cBhvr>
+                                      <p:to>
+                                        <p:strVal val="visible"/>
+                                      </p:to>
+                                    </p:set>
+                                  </p:childTnLst>
+                                </p:cTn>
+                              </p:par>
+                            </p:childTnLst>
+                          </p:cTn>
+                        </p:par>
+                      </p:childTnLst>
+                    </p:cTn>
+                  </p:par>
+                  <p:par>
+                    <p:cTn id="7" fill="hold">
+                      <p:stCondLst>
+                        <p:cond delay="indefinite"/>
+                      </p:stCondLst>
+                      <p:childTnLst>
+                        <p:par>
+                          <p:cTn id="8" fill="hold">
+                            <p:stCondLst>
+                              <p:cond delay="0"/>
+                            </p:stCondLst>
+                            <p:childTnLst>
+                              <p:par>
+                                <p:cTn id="9" presetID="1" presetClass="entr" presetSubtype="0" fill="hold" nodeType="clickEffect">
+                                  <p:stCondLst>
+                                    <p:cond delay="0"/>
+                                  </p:stCondLst>
+                                  <p:childTnLst>
+                                    <p:set>
+                                      <p:cBhvr>
+                                        <p:cTn id="10" dur="1" fill="hold">
+                                          <p:stCondLst>
+                                            <p:cond delay="0"/>
+                                          </p:stCondLst>
+                                        </p:cTn>
+                                        <p:tgtEl>
+                                          <p:spTgt spid="3">
+                                            <p:txEl>
+                                              <p:pRg st="1" end="1"/>
+                                            </p:txEl>
+                                          </p:spTgt>
+                                        </p:tgtEl>
+                                        <p:attrNameLst>
+                                          <p:attrName>style.visibility</p:attrName>
+                                        </p:attrNameLst>
+                                      </p:cBhvr>
+                                      <p:to>
+                                        <p:strVal val="visible"/>
+                                      </p:to>
+                                    </p:set>
+                                  </p:childTnLst>
+                                </p:cTn>
+                              </p:par>
+                            </p:childTnLst>
+                          </p:cTn>
+                        </p:par>
+                      </p:childTnLst>
+                    </p:cTn>
+                  </p:par>
+                  <p:par>
+                    <p:cTn id="11" fill="hold">
+                      <p:stCondLst>
+                        <p:cond delay="indefinite"/>
+                      </p:stCondLst>
+                      <p:childTnLst>
+                        <p:par>
+                          <p:cTn id="12" fill="hold">
+                            <p:stCondLst>
+                              <p:cond delay="0"/>
+                            </p:stCondLst>
+                            <p:childTnLst>
+                              <p:par>
+                                <p:cTn id="13" presetID="1" presetClass="entr" presetSubtype="0" fill="hold" nodeType="clickEffect">
+                                  <p:stCondLst>
+                                    <p:cond delay="0"/>
+                                  </p:stCondLst>
+                                  <p:childTnLst>
+                                    <p:set>
+                                      <p:cBhvr>
+                                        <p:cTn id="14" dur="1" fill="hold">
+                                          <p:stCondLst>
+                                            <p:cond delay="0"/>
+                                          </p:stCondLst>
+                                        </p:cTn>
+                                        <p:tgtEl>
+                                          <p:spTgt spid="3">
+                                            <p:txEl>
+                                              <p:pRg st="2" end="2"/>
+                                            </p:txEl>
+                                          </p:spTgt>
+                                        </p:tgtEl>
+                                        <p:attrNameLst>
+                                          <p:attrName>style.visibility</p:attrName>
+                                        </p:attrNameLst>
+                                      </p:cBhvr>
+                                      <p:to>
+                                        <p:strVal val="visible"/>
+                                      </p:to>
+                                    </p:set>
+                                  </p:childTnLst>
+                                </p:cTn>
+                              </p:par>
+                            </p:childTnLst>
+                          </p:cTn>
+                        </p:par>
+                      </p:childTnLst>
+                    </p:cTn>
+                  </p:par>
+                  <p:par>
+                    <p:cTn id="15" fill="hold">
+                      <p:stCondLst>
+                        <p:cond delay="indefinite"/>
+                      </p:stCondLst>
+                      <p:childTnLst>
+                        <p:par>
+                          <p:cTn id="16" fill="hold">
+                            <p:stCondLst>
+                              <p:cond delay="0"/>
+                            </p:stCondLst>
+                            <p:childTnLst>
+                              <p:par>
+                                <p:cTn id="17" presetID="1" presetClass="entr" presetSubtype="0" fill="hold" nodeType="clickEffect">
+                                  <p:stCondLst>
+                                    <p:cond delay="0"/>
+                                  </p:stCondLst>
+                                  <p:childTnLst>
+                                    <p:set>
+                                      <p:cBhvr>
+                                        <p:cTn id="18" dur="1" fill="hold">
+                                          <p:stCondLst>
+                                            <p:cond delay="0"/>
+                                          </p:stCondLst>
+                                        </p:cTn>
+                                        <p:tgtEl>
+                                          <p:spTgt spid="3">
+                                            <p:txEl>
+                                              <p:pRg st="3" end="3"/>
+                                            </p:txEl>
+                                          </p:spTgt>
+                                        </p:tgtEl>
+                                        <p:attrNameLst>
+                                          <p:attrName>style.visibility</p:attrName>
+                                        </p:attrNameLst>
+                                      </p:cBhvr>
+                                      <p:to>
+                                        <p:strVal val="visible"/>
+                                      </p:to>
+                                    </p:set>
+                                  </p:childTnLst>
+                                </p:cTn>
+                              </p:par>
+                            </p:childTnLst>
+                          </p:cTn>
+                        </p:par>
+                      </p:childTnLst>
+                    </p:cTn>
+                  </p:par>
+                </p:childTnLst>
+              </p:cTn>
+              <p:prevCondLst>
+                <p:cond evt="onPrev" delay="0">
+                  <p:tgtEl>
+                    <p:sldTgt/>
+                  </p:tgtEl>
+                </p:cond>
+              </p:prevCondLst>
+              <p:nextCondLst>
+                <p:cond evt="onNext" delay="0">
+                  <p:tgtEl>
+                    <p:sldTgt/>
+                  </p:tgtEl>
+                </p:cond>
+              </p:nextCondLst>
+            </p:seq>
+          </p:childTnLst>
+        </p:cTn>
+      </p:par>
+    </p:tnLst>
+  </p:timing>
 </p:sld>
 </file>
 
@@ -4593,6 +6392,232 @@
   <p:clrMapOvr>
     <a:masterClrMapping/>
   </p:clrMapOvr>
+  <p:timing>
+    <p:tnLst>
+      <p:par>
+        <p:cTn xmlns:p14="http://schemas.microsoft.com/office/powerpoint/2010/main" id="1" dur="indefinite" restart="never" nodeType="tmRoot">
+          <p:childTnLst>
+            <p:seq concurrent="1" nextAc="seek">
+              <p:cTn id="2" dur="indefinite" nodeType="mainSeq">
+                <p:childTnLst>
+                  <p:par>
+                    <p:cTn id="3" fill="hold">
+                      <p:stCondLst>
+                        <p:cond delay="indefinite"/>
+                      </p:stCondLst>
+                      <p:childTnLst>
+                        <p:par>
+                          <p:cTn id="4" fill="hold">
+                            <p:stCondLst>
+                              <p:cond delay="0"/>
+                            </p:stCondLst>
+                            <p:childTnLst>
+                              <p:par>
+                                <p:cTn id="5" presetID="1" presetClass="entr" presetSubtype="0" fill="hold" nodeType="clickEffect">
+                                  <p:stCondLst>
+                                    <p:cond delay="0"/>
+                                  </p:stCondLst>
+                                  <p:childTnLst>
+                                    <p:set>
+                                      <p:cBhvr>
+                                        <p:cTn id="6" dur="1" fill="hold">
+                                          <p:stCondLst>
+                                            <p:cond delay="0"/>
+                                          </p:stCondLst>
+                                        </p:cTn>
+                                        <p:tgtEl>
+                                          <p:spTgt spid="3">
+                                            <p:txEl>
+                                              <p:pRg st="0" end="0"/>
+                                            </p:txEl>
+                                          </p:spTgt>
+                                        </p:tgtEl>
+                                        <p:attrNameLst>
+                                          <p:attrName>style.visibility</p:attrName>
+                                        </p:attrNameLst>
+                                      </p:cBhvr>
+                                      <p:to>
+                                        <p:strVal val="visible"/>
+                                      </p:to>
+                                    </p:set>
+                                  </p:childTnLst>
+                                </p:cTn>
+                              </p:par>
+                            </p:childTnLst>
+                          </p:cTn>
+                        </p:par>
+                      </p:childTnLst>
+                    </p:cTn>
+                  </p:par>
+                  <p:par>
+                    <p:cTn id="7" fill="hold">
+                      <p:stCondLst>
+                        <p:cond delay="indefinite"/>
+                      </p:stCondLst>
+                      <p:childTnLst>
+                        <p:par>
+                          <p:cTn id="8" fill="hold">
+                            <p:stCondLst>
+                              <p:cond delay="0"/>
+                            </p:stCondLst>
+                            <p:childTnLst>
+                              <p:par>
+                                <p:cTn id="9" presetID="1" presetClass="entr" presetSubtype="0" fill="hold" nodeType="clickEffect">
+                                  <p:stCondLst>
+                                    <p:cond delay="0"/>
+                                  </p:stCondLst>
+                                  <p:childTnLst>
+                                    <p:set>
+                                      <p:cBhvr>
+                                        <p:cTn id="10" dur="1" fill="hold">
+                                          <p:stCondLst>
+                                            <p:cond delay="0"/>
+                                          </p:stCondLst>
+                                        </p:cTn>
+                                        <p:tgtEl>
+                                          <p:spTgt spid="3">
+                                            <p:txEl>
+                                              <p:pRg st="1" end="1"/>
+                                            </p:txEl>
+                                          </p:spTgt>
+                                        </p:tgtEl>
+                                        <p:attrNameLst>
+                                          <p:attrName>style.visibility</p:attrName>
+                                        </p:attrNameLst>
+                                      </p:cBhvr>
+                                      <p:to>
+                                        <p:strVal val="visible"/>
+                                      </p:to>
+                                    </p:set>
+                                  </p:childTnLst>
+                                </p:cTn>
+                              </p:par>
+                            </p:childTnLst>
+                          </p:cTn>
+                        </p:par>
+                      </p:childTnLst>
+                    </p:cTn>
+                  </p:par>
+                  <p:par>
+                    <p:cTn id="11" fill="hold">
+                      <p:stCondLst>
+                        <p:cond delay="indefinite"/>
+                      </p:stCondLst>
+                      <p:childTnLst>
+                        <p:par>
+                          <p:cTn id="12" fill="hold">
+                            <p:stCondLst>
+                              <p:cond delay="0"/>
+                            </p:stCondLst>
+                            <p:childTnLst>
+                              <p:par>
+                                <p:cTn id="13" presetID="1" presetClass="entr" presetSubtype="0" fill="hold" nodeType="clickEffect">
+                                  <p:stCondLst>
+                                    <p:cond delay="0"/>
+                                  </p:stCondLst>
+                                  <p:childTnLst>
+                                    <p:set>
+                                      <p:cBhvr>
+                                        <p:cTn id="14" dur="1" fill="hold">
+                                          <p:stCondLst>
+                                            <p:cond delay="0"/>
+                                          </p:stCondLst>
+                                        </p:cTn>
+                                        <p:tgtEl>
+                                          <p:spTgt spid="3">
+                                            <p:txEl>
+                                              <p:pRg st="2" end="2"/>
+                                            </p:txEl>
+                                          </p:spTgt>
+                                        </p:tgtEl>
+                                        <p:attrNameLst>
+                                          <p:attrName>style.visibility</p:attrName>
+                                        </p:attrNameLst>
+                                      </p:cBhvr>
+                                      <p:to>
+                                        <p:strVal val="visible"/>
+                                      </p:to>
+                                    </p:set>
+                                  </p:childTnLst>
+                                </p:cTn>
+                              </p:par>
+                            </p:childTnLst>
+                          </p:cTn>
+                        </p:par>
+                      </p:childTnLst>
+                    </p:cTn>
+                  </p:par>
+                  <p:par>
+                    <p:cTn id="15" fill="hold">
+                      <p:stCondLst>
+                        <p:cond delay="indefinite"/>
+                      </p:stCondLst>
+                      <p:childTnLst>
+                        <p:par>
+                          <p:cTn id="16" fill="hold">
+                            <p:stCondLst>
+                              <p:cond delay="0"/>
+                            </p:stCondLst>
+                            <p:childTnLst>
+                              <p:par>
+                                <p:cTn id="17" presetID="1" presetClass="entr" presetSubtype="0" fill="hold" nodeType="clickEffect">
+                                  <p:stCondLst>
+                                    <p:cond delay="0"/>
+                                  </p:stCondLst>
+                                  <p:childTnLst>
+                                    <p:set>
+                                      <p:cBhvr>
+                                        <p:cTn id="18" dur="1" fill="hold">
+                                          <p:stCondLst>
+                                            <p:cond delay="0"/>
+                                          </p:stCondLst>
+                                        </p:cTn>
+                                        <p:tgtEl>
+                                          <p:spTgt spid="3">
+                                            <p:txEl>
+                                              <p:pRg st="3" end="3"/>
+                                            </p:txEl>
+                                          </p:spTgt>
+                                        </p:tgtEl>
+                                        <p:attrNameLst>
+                                          <p:attrName>style.visibility</p:attrName>
+                                        </p:attrNameLst>
+                                      </p:cBhvr>
+                                      <p:to>
+                                        <p:strVal val="visible"/>
+                                      </p:to>
+                                    </p:set>
+                                  </p:childTnLst>
+                                </p:cTn>
+                              </p:par>
+                            </p:childTnLst>
+                          </p:cTn>
+                        </p:par>
+                      </p:childTnLst>
+                    </p:cTn>
+                  </p:par>
+                </p:childTnLst>
+              </p:cTn>
+              <p:prevCondLst>
+                <p:cond evt="onPrev" delay="0">
+                  <p:tgtEl>
+                    <p:sldTgt/>
+                  </p:tgtEl>
+                </p:cond>
+              </p:prevCondLst>
+              <p:nextCondLst>
+                <p:cond evt="onNext" delay="0">
+                  <p:tgtEl>
+                    <p:sldTgt/>
+                  </p:tgtEl>
+                </p:cond>
+              </p:nextCondLst>
+            </p:seq>
+          </p:childTnLst>
+        </p:cTn>
+      </p:par>
+    </p:tnLst>
+  </p:timing>
 </p:sld>
 </file>
 
@@ -4674,6 +6699,13 @@
   <p:clrMapOvr>
     <a:masterClrMapping/>
   </p:clrMapOvr>
+  <p:timing>
+    <p:tnLst>
+      <p:par>
+        <p:cTn xmlns:p14="http://schemas.microsoft.com/office/powerpoint/2010/main" id="1" dur="indefinite" restart="never" nodeType="tmRoot"/>
+      </p:par>
+    </p:tnLst>
+  </p:timing>
 </p:sld>
 </file>
 
@@ -4919,6 +6951,179 @@
   <p:clrMapOvr>
     <a:masterClrMapping/>
   </p:clrMapOvr>
+  <p:timing>
+    <p:tnLst>
+      <p:par>
+        <p:cTn xmlns:p14="http://schemas.microsoft.com/office/powerpoint/2010/main" id="1" dur="indefinite" restart="never" nodeType="tmRoot">
+          <p:childTnLst>
+            <p:seq concurrent="1" nextAc="seek">
+              <p:cTn id="2" dur="indefinite" nodeType="mainSeq">
+                <p:childTnLst>
+                  <p:par>
+                    <p:cTn id="3" fill="hold">
+                      <p:stCondLst>
+                        <p:cond delay="indefinite"/>
+                      </p:stCondLst>
+                      <p:childTnLst>
+                        <p:par>
+                          <p:cTn id="4" fill="hold">
+                            <p:stCondLst>
+                              <p:cond delay="0"/>
+                            </p:stCondLst>
+                            <p:childTnLst>
+                              <p:par>
+                                <p:cTn id="5" presetID="1" presetClass="entr" presetSubtype="0" fill="hold" nodeType="clickEffect">
+                                  <p:stCondLst>
+                                    <p:cond delay="0"/>
+                                  </p:stCondLst>
+                                  <p:childTnLst>
+                                    <p:set>
+                                      <p:cBhvr>
+                                        <p:cTn id="6" dur="1" fill="hold">
+                                          <p:stCondLst>
+                                            <p:cond delay="0"/>
+                                          </p:stCondLst>
+                                        </p:cTn>
+                                        <p:tgtEl>
+                                          <p:spTgt spid="3">
+                                            <p:txEl>
+                                              <p:pRg st="1" end="1"/>
+                                            </p:txEl>
+                                          </p:spTgt>
+                                        </p:tgtEl>
+                                        <p:attrNameLst>
+                                          <p:attrName>style.visibility</p:attrName>
+                                        </p:attrNameLst>
+                                      </p:cBhvr>
+                                      <p:to>
+                                        <p:strVal val="visible"/>
+                                      </p:to>
+                                    </p:set>
+                                  </p:childTnLst>
+                                </p:cTn>
+                              </p:par>
+                            </p:childTnLst>
+                          </p:cTn>
+                        </p:par>
+                      </p:childTnLst>
+                    </p:cTn>
+                  </p:par>
+                  <p:par>
+                    <p:cTn id="7" fill="hold">
+                      <p:stCondLst>
+                        <p:cond delay="indefinite"/>
+                      </p:stCondLst>
+                      <p:childTnLst>
+                        <p:par>
+                          <p:cTn id="8" fill="hold">
+                            <p:stCondLst>
+                              <p:cond delay="0"/>
+                            </p:stCondLst>
+                            <p:childTnLst>
+                              <p:par>
+                                <p:cTn id="9" presetID="1" presetClass="entr" presetSubtype="0" fill="hold" nodeType="clickEffect">
+                                  <p:stCondLst>
+                                    <p:cond delay="0"/>
+                                  </p:stCondLst>
+                                  <p:childTnLst>
+                                    <p:set>
+                                      <p:cBhvr>
+                                        <p:cTn id="10" dur="1" fill="hold">
+                                          <p:stCondLst>
+                                            <p:cond delay="0"/>
+                                          </p:stCondLst>
+                                        </p:cTn>
+                                        <p:tgtEl>
+                                          <p:spTgt spid="3">
+                                            <p:txEl>
+                                              <p:pRg st="2" end="2"/>
+                                            </p:txEl>
+                                          </p:spTgt>
+                                        </p:tgtEl>
+                                        <p:attrNameLst>
+                                          <p:attrName>style.visibility</p:attrName>
+                                        </p:attrNameLst>
+                                      </p:cBhvr>
+                                      <p:to>
+                                        <p:strVal val="visible"/>
+                                      </p:to>
+                                    </p:set>
+                                  </p:childTnLst>
+                                </p:cTn>
+                              </p:par>
+                            </p:childTnLst>
+                          </p:cTn>
+                        </p:par>
+                      </p:childTnLst>
+                    </p:cTn>
+                  </p:par>
+                  <p:par>
+                    <p:cTn id="11" fill="hold">
+                      <p:stCondLst>
+                        <p:cond delay="indefinite"/>
+                      </p:stCondLst>
+                      <p:childTnLst>
+                        <p:par>
+                          <p:cTn id="12" fill="hold">
+                            <p:stCondLst>
+                              <p:cond delay="0"/>
+                            </p:stCondLst>
+                            <p:childTnLst>
+                              <p:par>
+                                <p:cTn id="13" presetID="1" presetClass="entr" presetSubtype="0" fill="hold" nodeType="clickEffect">
+                                  <p:stCondLst>
+                                    <p:cond delay="0"/>
+                                  </p:stCondLst>
+                                  <p:childTnLst>
+                                    <p:set>
+                                      <p:cBhvr>
+                                        <p:cTn id="14" dur="1" fill="hold">
+                                          <p:stCondLst>
+                                            <p:cond delay="0"/>
+                                          </p:stCondLst>
+                                        </p:cTn>
+                                        <p:tgtEl>
+                                          <p:spTgt spid="7"/>
+                                        </p:tgtEl>
+                                        <p:attrNameLst>
+                                          <p:attrName>style.visibility</p:attrName>
+                                        </p:attrNameLst>
+                                      </p:cBhvr>
+                                      <p:to>
+                                        <p:strVal val="visible"/>
+                                      </p:to>
+                                    </p:set>
+                                  </p:childTnLst>
+                                </p:cTn>
+                              </p:par>
+                            </p:childTnLst>
+                          </p:cTn>
+                        </p:par>
+                      </p:childTnLst>
+                    </p:cTn>
+                  </p:par>
+                </p:childTnLst>
+              </p:cTn>
+              <p:prevCondLst>
+                <p:cond evt="onPrev" delay="0">
+                  <p:tgtEl>
+                    <p:sldTgt/>
+                  </p:tgtEl>
+                </p:cond>
+              </p:prevCondLst>
+              <p:nextCondLst>
+                <p:cond evt="onNext" delay="0">
+                  <p:tgtEl>
+                    <p:sldTgt/>
+                  </p:tgtEl>
+                </p:cond>
+              </p:nextCondLst>
+            </p:seq>
+          </p:childTnLst>
+        </p:cTn>
+      </p:par>
+    </p:tnLst>
+  </p:timing>
 </p:sld>
 </file>
 
@@ -4988,12 +7193,12 @@
           <a:graphicData uri="http://schemas.openxmlformats.org/presentationml/2006/ole">
             <mc:AlternateContent xmlns:mc="http://schemas.openxmlformats.org/markup-compatibility/2006">
               <mc:Choice xmlns:v="urn:schemas-microsoft-com:vml" Requires="v">
-                <p:oleObj spid="_x0000_s3078" name="Document" r:id="rId5" imgW="7128360" imgH="5781600" progId="Word.Document.8">
+                <p:oleObj spid="_x0000_s3083" name="Document" r:id="rId4" imgW="7128360" imgH="5781600" progId="Word.Document.8">
                   <p:embed/>
                 </p:oleObj>
               </mc:Choice>
               <mc:Fallback>
-                <p:oleObj name="Document" r:id="rId5" imgW="7128360" imgH="5781600" progId="Word.Document.8">
+                <p:oleObj name="Document" r:id="rId4" imgW="7128360" imgH="5781600" progId="Word.Document.8">
                   <p:embed/>
                   <p:pic>
                     <p:nvPicPr>
@@ -5004,7 +7209,7 @@
                       <p:nvPr/>
                     </p:nvPicPr>
                     <p:blipFill>
-                      <a:blip r:embed="rId6">
+                      <a:blip r:embed="rId5">
                         <a:extLst>
                           <a:ext uri="{28A0092B-C50C-407E-A947-70E740481C1C}">
                             <a14:useLocalDpi xmlns:a14="http://schemas.microsoft.com/office/drawing/2010/main" val="0"/>
@@ -5134,7 +7339,7 @@
               <a:t>what</a:t>
             </a:r>
             <a:r>
-              <a:rPr lang="ja-JP" altLang="en-US" sz="2400" dirty="0" smtClean="0"/>
+              <a:rPr lang="en-US" sz="2400" dirty="0" smtClean="0"/>
               <a:t>’</a:t>
             </a:r>
             <a:r>
@@ -5230,7 +7435,7 @@
           <a:graphicData uri="http://schemas.openxmlformats.org/presentationml/2006/ole">
             <mc:AlternateContent xmlns:mc="http://schemas.openxmlformats.org/markup-compatibility/2006">
               <mc:Choice xmlns:v="urn:schemas-microsoft-com:vml" Requires="v">
-                <p:oleObj spid="_x0000_s6150" name="Equation" r:id="rId3" imgW="4267200" imgH="1803400" progId="Equation.3">
+                <p:oleObj spid="_x0000_s6155" name="Equation" r:id="rId3" imgW="4267200" imgH="1803400" progId="Equation.3">
                   <p:embed/>
                 </p:oleObj>
               </mc:Choice>
@@ -5275,6 +7480,13 @@
   <p:clrMapOvr>
     <a:masterClrMapping/>
   </p:clrMapOvr>
+  <p:timing>
+    <p:tnLst>
+      <p:par>
+        <p:cTn xmlns:p14="http://schemas.microsoft.com/office/powerpoint/2010/main" id="1" dur="indefinite" restart="never" nodeType="tmRoot"/>
+      </p:par>
+    </p:tnLst>
+  </p:timing>
 </p:sld>
 </file>
 
@@ -5415,6 +7627,228 @@
   <p:clrMapOvr>
     <a:masterClrMapping/>
   </p:clrMapOvr>
+  <p:timing>
+    <p:tnLst>
+      <p:par>
+        <p:cTn xmlns:p14="http://schemas.microsoft.com/office/powerpoint/2010/main" id="1" dur="indefinite" restart="never" nodeType="tmRoot">
+          <p:childTnLst>
+            <p:seq concurrent="1" nextAc="seek">
+              <p:cTn id="2" dur="indefinite" nodeType="mainSeq">
+                <p:childTnLst>
+                  <p:par>
+                    <p:cTn id="3" fill="hold">
+                      <p:stCondLst>
+                        <p:cond delay="indefinite"/>
+                      </p:stCondLst>
+                      <p:childTnLst>
+                        <p:par>
+                          <p:cTn id="4" fill="hold">
+                            <p:stCondLst>
+                              <p:cond delay="0"/>
+                            </p:stCondLst>
+                            <p:childTnLst>
+                              <p:par>
+                                <p:cTn id="5" presetID="1" presetClass="entr" presetSubtype="0" fill="hold" nodeType="clickEffect">
+                                  <p:stCondLst>
+                                    <p:cond delay="0"/>
+                                  </p:stCondLst>
+                                  <p:childTnLst>
+                                    <p:set>
+                                      <p:cBhvr>
+                                        <p:cTn id="6" dur="1" fill="hold">
+                                          <p:stCondLst>
+                                            <p:cond delay="0"/>
+                                          </p:stCondLst>
+                                        </p:cTn>
+                                        <p:tgtEl>
+                                          <p:spTgt spid="3">
+                                            <p:txEl>
+                                              <p:pRg st="0" end="0"/>
+                                            </p:txEl>
+                                          </p:spTgt>
+                                        </p:tgtEl>
+                                        <p:attrNameLst>
+                                          <p:attrName>style.visibility</p:attrName>
+                                        </p:attrNameLst>
+                                      </p:cBhvr>
+                                      <p:to>
+                                        <p:strVal val="visible"/>
+                                      </p:to>
+                                    </p:set>
+                                  </p:childTnLst>
+                                </p:cTn>
+                              </p:par>
+                            </p:childTnLst>
+                          </p:cTn>
+                        </p:par>
+                      </p:childTnLst>
+                    </p:cTn>
+                  </p:par>
+                  <p:par>
+                    <p:cTn id="7" fill="hold">
+                      <p:stCondLst>
+                        <p:cond delay="indefinite"/>
+                      </p:stCondLst>
+                      <p:childTnLst>
+                        <p:par>
+                          <p:cTn id="8" fill="hold">
+                            <p:stCondLst>
+                              <p:cond delay="0"/>
+                            </p:stCondLst>
+                            <p:childTnLst>
+                              <p:par>
+                                <p:cTn id="9" presetID="1" presetClass="entr" presetSubtype="0" fill="hold" nodeType="clickEffect">
+                                  <p:stCondLst>
+                                    <p:cond delay="0"/>
+                                  </p:stCondLst>
+                                  <p:childTnLst>
+                                    <p:set>
+                                      <p:cBhvr>
+                                        <p:cTn id="10" dur="1" fill="hold">
+                                          <p:stCondLst>
+                                            <p:cond delay="0"/>
+                                          </p:stCondLst>
+                                        </p:cTn>
+                                        <p:tgtEl>
+                                          <p:spTgt spid="3">
+                                            <p:txEl>
+                                              <p:pRg st="1" end="1"/>
+                                            </p:txEl>
+                                          </p:spTgt>
+                                        </p:tgtEl>
+                                        <p:attrNameLst>
+                                          <p:attrName>style.visibility</p:attrName>
+                                        </p:attrNameLst>
+                                      </p:cBhvr>
+                                      <p:to>
+                                        <p:strVal val="visible"/>
+                                      </p:to>
+                                    </p:set>
+                                  </p:childTnLst>
+                                </p:cTn>
+                              </p:par>
+                            </p:childTnLst>
+                          </p:cTn>
+                        </p:par>
+                      </p:childTnLst>
+                    </p:cTn>
+                  </p:par>
+                  <p:par>
+                    <p:cTn id="11" fill="hold">
+                      <p:stCondLst>
+                        <p:cond delay="indefinite"/>
+                      </p:stCondLst>
+                      <p:childTnLst>
+                        <p:par>
+                          <p:cTn id="12" fill="hold">
+                            <p:stCondLst>
+                              <p:cond delay="0"/>
+                            </p:stCondLst>
+                            <p:childTnLst>
+                              <p:par>
+                                <p:cTn id="13" presetID="1" presetClass="entr" presetSubtype="0" fill="hold" nodeType="clickEffect">
+                                  <p:stCondLst>
+                                    <p:cond delay="0"/>
+                                  </p:stCondLst>
+                                  <p:childTnLst>
+                                    <p:set>
+                                      <p:cBhvr>
+                                        <p:cTn id="14" dur="1" fill="hold">
+                                          <p:stCondLst>
+                                            <p:cond delay="0"/>
+                                          </p:stCondLst>
+                                        </p:cTn>
+                                        <p:tgtEl>
+                                          <p:spTgt spid="3">
+                                            <p:txEl>
+                                              <p:pRg st="2" end="2"/>
+                                            </p:txEl>
+                                          </p:spTgt>
+                                        </p:tgtEl>
+                                        <p:attrNameLst>
+                                          <p:attrName>style.visibility</p:attrName>
+                                        </p:attrNameLst>
+                                      </p:cBhvr>
+                                      <p:to>
+                                        <p:strVal val="visible"/>
+                                      </p:to>
+                                    </p:set>
+                                  </p:childTnLst>
+                                </p:cTn>
+                              </p:par>
+                            </p:childTnLst>
+                          </p:cTn>
+                        </p:par>
+                      </p:childTnLst>
+                    </p:cTn>
+                  </p:par>
+                  <p:par>
+                    <p:cTn id="15" fill="hold">
+                      <p:stCondLst>
+                        <p:cond delay="indefinite"/>
+                      </p:stCondLst>
+                      <p:childTnLst>
+                        <p:par>
+                          <p:cTn id="16" fill="hold">
+                            <p:stCondLst>
+                              <p:cond delay="0"/>
+                            </p:stCondLst>
+                            <p:childTnLst>
+                              <p:par>
+                                <p:cTn id="17" presetID="1" presetClass="entr" presetSubtype="0" fill="hold" nodeType="clickEffect">
+                                  <p:stCondLst>
+                                    <p:cond delay="0"/>
+                                  </p:stCondLst>
+                                  <p:childTnLst>
+                                    <p:set>
+                                      <p:cBhvr>
+                                        <p:cTn id="18" dur="1" fill="hold">
+                                          <p:stCondLst>
+                                            <p:cond delay="0"/>
+                                          </p:stCondLst>
+                                        </p:cTn>
+                                        <p:tgtEl>
+                                          <p:spTgt spid="5"/>
+                                        </p:tgtEl>
+                                        <p:attrNameLst>
+                                          <p:attrName>style.visibility</p:attrName>
+                                        </p:attrNameLst>
+                                      </p:cBhvr>
+                                      <p:to>
+                                        <p:strVal val="visible"/>
+                                      </p:to>
+                                    </p:set>
+                                  </p:childTnLst>
+                                </p:cTn>
+                              </p:par>
+                            </p:childTnLst>
+                          </p:cTn>
+                        </p:par>
+                      </p:childTnLst>
+                    </p:cTn>
+                  </p:par>
+                </p:childTnLst>
+              </p:cTn>
+              <p:prevCondLst>
+                <p:cond evt="onPrev" delay="0">
+                  <p:tgtEl>
+                    <p:sldTgt/>
+                  </p:tgtEl>
+                </p:cond>
+              </p:prevCondLst>
+              <p:nextCondLst>
+                <p:cond evt="onNext" delay="0">
+                  <p:tgtEl>
+                    <p:sldTgt/>
+                  </p:tgtEl>
+                </p:cond>
+              </p:nextCondLst>
+            </p:seq>
+          </p:childTnLst>
+        </p:cTn>
+      </p:par>
+    </p:tnLst>
+  </p:timing>
 </p:sld>
 </file>
 
@@ -5475,7 +7909,15 @@
           <a:p>
             <a:r>
               <a:rPr lang="en-US" dirty="0" smtClean="0"/>
-              <a:t>Use 1 nearest neighbor algorithm and locate the closest classmate to you. Once you locate him/her, how one could use Naïve Bayes classifier to classify Spam and Ham e-mail. Also, discuss how we can measure the error of this algorithm and what can go wrong.</a:t>
+              <a:t>Use 1 nearest neighbor algorithm and locate the closest classmate to you. Once you locate him/her, </a:t>
+            </a:r>
+            <a:r>
+              <a:rPr lang="en-US" dirty="0" smtClean="0"/>
+              <a:t>discuss how </a:t>
+            </a:r>
+            <a:r>
+              <a:rPr lang="en-US" dirty="0" smtClean="0"/>
+              <a:t>one could use Naïve Bayes classifier to classify Spam and Ham e-mail. Also, discuss how we can measure the error of this algorithm and what can go wrong.</a:t>
             </a:r>
             <a:endParaRPr lang="en-US" dirty="0"/>
           </a:p>
@@ -5491,6 +7933,13 @@
   <p:clrMapOvr>
     <a:masterClrMapping/>
   </p:clrMapOvr>
+  <p:timing>
+    <p:tnLst>
+      <p:par>
+        <p:cTn xmlns:p14="http://schemas.microsoft.com/office/powerpoint/2010/main" id="1" dur="indefinite" restart="never" nodeType="tmRoot"/>
+      </p:par>
+    </p:tnLst>
+  </p:timing>
 </p:sld>
 </file>
 
